--- a/documents/second_presentation.pptx
+++ b/documents/second_presentation.pptx
@@ -10,6 +10,9 @@
     <p:sldId id="258" r:id="rId4"/>
     <p:sldId id="259" r:id="rId5"/>
     <p:sldId id="260" r:id="rId6"/>
+    <p:sldId id="261" r:id="rId7"/>
+    <p:sldId id="262" r:id="rId8"/>
+    <p:sldId id="263" r:id="rId9"/>
   </p:sldIdLst>
   <p:sldSz cx="12192000" cy="6858000"/>
   <p:notesSz cx="6858000" cy="9144000"/>
@@ -108,6 +111,11 @@
       </a:defRPr>
     </a:lvl9pPr>
   </p:defaultTextStyle>
+  <p:extLst>
+    <p:ext uri="{EFAFB233-063F-42B5-8137-9DF3F51BA10A}">
+      <p15:sldGuideLst xmlns:p15="http://schemas.microsoft.com/office/powerpoint/2012/main"/>
+    </p:ext>
+  </p:extLst>
 </p:presentation>
 </file>
 
@@ -297,7 +305,7 @@
           <a:p>
             <a:fld id="{4AAD347D-5ACD-4C99-B74B-A9C85AD731AF}" type="datetimeFigureOut">
               <a:rPr lang="en-US" dirty="0"/>
-              <a:t>2/11/17</a:t>
+              <a:t>2/12/17</a:t>
             </a:fld>
             <a:endParaRPr lang="en-US" dirty="0"/>
           </a:p>
@@ -567,7 +575,7 @@
           <a:p>
             <a:fld id="{4509A250-FF31-4206-8172-F9D3106AACB1}" type="datetimeFigureOut">
               <a:rPr lang="en-US" dirty="0"/>
-              <a:t>2/11/17</a:t>
+              <a:t>2/12/17</a:t>
             </a:fld>
             <a:endParaRPr lang="en-US" dirty="0"/>
           </a:p>
@@ -756,7 +764,7 @@
           <a:p>
             <a:fld id="{4509A250-FF31-4206-8172-F9D3106AACB1}" type="datetimeFigureOut">
               <a:rPr lang="en-US" dirty="0"/>
-              <a:t>2/11/17</a:t>
+              <a:t>2/12/17</a:t>
             </a:fld>
             <a:endParaRPr lang="en-US" dirty="0"/>
           </a:p>
@@ -1024,7 +1032,7 @@
           <a:p>
             <a:fld id="{4509A250-FF31-4206-8172-F9D3106AACB1}" type="datetimeFigureOut">
               <a:rPr lang="en-US" dirty="0"/>
-              <a:t>2/11/17</a:t>
+              <a:t>2/12/17</a:t>
             </a:fld>
             <a:endParaRPr lang="en-US" dirty="0"/>
           </a:p>
@@ -1360,7 +1368,7 @@
           <a:p>
             <a:fld id="{4509A250-FF31-4206-8172-F9D3106AACB1}" type="datetimeFigureOut">
               <a:rPr lang="en-US" dirty="0"/>
-              <a:t>2/11/17</a:t>
+              <a:t>2/12/17</a:t>
             </a:fld>
             <a:endParaRPr lang="en-US" dirty="0"/>
           </a:p>
@@ -1978,7 +1986,7 @@
           <a:p>
             <a:fld id="{4509A250-FF31-4206-8172-F9D3106AACB1}" type="datetimeFigureOut">
               <a:rPr lang="en-US" dirty="0"/>
-              <a:t>2/11/17</a:t>
+              <a:t>2/12/17</a:t>
             </a:fld>
             <a:endParaRPr lang="en-US" dirty="0"/>
           </a:p>
@@ -2833,7 +2841,7 @@
           <a:p>
             <a:fld id="{4509A250-FF31-4206-8172-F9D3106AACB1}" type="datetimeFigureOut">
               <a:rPr lang="en-US" dirty="0"/>
-              <a:t>2/11/17</a:t>
+              <a:t>2/12/17</a:t>
             </a:fld>
             <a:endParaRPr lang="en-US" dirty="0"/>
           </a:p>
@@ -2998,7 +3006,7 @@
           <a:p>
             <a:fld id="{4509A250-FF31-4206-8172-F9D3106AACB1}" type="datetimeFigureOut">
               <a:rPr lang="en-US" dirty="0"/>
-              <a:t>2/11/17</a:t>
+              <a:t>2/12/17</a:t>
             </a:fld>
             <a:endParaRPr lang="en-US" dirty="0"/>
           </a:p>
@@ -3173,7 +3181,7 @@
           <a:p>
             <a:fld id="{4509A250-FF31-4206-8172-F9D3106AACB1}" type="datetimeFigureOut">
               <a:rPr lang="en-US" dirty="0"/>
-              <a:t>2/11/17</a:t>
+              <a:t>2/12/17</a:t>
             </a:fld>
             <a:endParaRPr lang="en-US" dirty="0"/>
           </a:p>
@@ -3338,7 +3346,7 @@
           <a:p>
             <a:fld id="{4509A250-FF31-4206-8172-F9D3106AACB1}" type="datetimeFigureOut">
               <a:rPr lang="en-US" dirty="0"/>
-              <a:t>2/11/17</a:t>
+              <a:t>2/12/17</a:t>
             </a:fld>
             <a:endParaRPr lang="en-US" dirty="0"/>
           </a:p>
@@ -3580,7 +3588,7 @@
           <a:p>
             <a:fld id="{9796027F-7875-4030-9381-8BD8C4F21935}" type="datetimeFigureOut">
               <a:rPr lang="en-US" dirty="0"/>
-              <a:t>2/11/17</a:t>
+              <a:t>2/12/17</a:t>
             </a:fld>
             <a:endParaRPr lang="en-US" dirty="0"/>
           </a:p>
@@ -3867,7 +3875,7 @@
           <a:p>
             <a:fld id="{9796027F-7875-4030-9381-8BD8C4F21935}" type="datetimeFigureOut">
               <a:rPr lang="en-US" dirty="0"/>
-              <a:t>2/11/17</a:t>
+              <a:t>2/12/17</a:t>
             </a:fld>
             <a:endParaRPr lang="en-US" dirty="0"/>
           </a:p>
@@ -4306,7 +4314,7 @@
           <a:p>
             <a:fld id="{9796027F-7875-4030-9381-8BD8C4F21935}" type="datetimeFigureOut">
               <a:rPr lang="en-US" dirty="0"/>
-              <a:t>2/11/17</a:t>
+              <a:t>2/12/17</a:t>
             </a:fld>
             <a:endParaRPr lang="en-US" dirty="0"/>
           </a:p>
@@ -4419,7 +4427,7 @@
           <a:p>
             <a:fld id="{4509A250-FF31-4206-8172-F9D3106AACB1}" type="datetimeFigureOut">
               <a:rPr lang="en-US" dirty="0"/>
-              <a:t>2/11/17</a:t>
+              <a:t>2/12/17</a:t>
             </a:fld>
             <a:endParaRPr lang="en-US" dirty="0"/>
           </a:p>
@@ -4509,7 +4517,7 @@
           <a:p>
             <a:fld id="{4509A250-FF31-4206-8172-F9D3106AACB1}" type="datetimeFigureOut">
               <a:rPr lang="en-US" dirty="0"/>
-              <a:t>2/11/17</a:t>
+              <a:t>2/12/17</a:t>
             </a:fld>
             <a:endParaRPr lang="en-US" dirty="0"/>
           </a:p>
@@ -4783,7 +4791,7 @@
           <a:p>
             <a:fld id="{4509A250-FF31-4206-8172-F9D3106AACB1}" type="datetimeFigureOut">
               <a:rPr lang="en-US" dirty="0"/>
-              <a:t>2/11/17</a:t>
+              <a:t>2/12/17</a:t>
             </a:fld>
             <a:endParaRPr lang="en-US" dirty="0"/>
           </a:p>
@@ -5053,7 +5061,7 @@
           <a:p>
             <a:fld id="{4509A250-FF31-4206-8172-F9D3106AACB1}" type="datetimeFigureOut">
               <a:rPr lang="en-US" dirty="0"/>
-              <a:t>2/11/17</a:t>
+              <a:t>2/12/17</a:t>
             </a:fld>
             <a:endParaRPr lang="en-US" dirty="0"/>
           </a:p>
@@ -5477,7 +5485,7 @@
           <a:p>
             <a:fld id="{4AAD347D-5ACD-4C99-B74B-A9C85AD731AF}" type="datetimeFigureOut">
               <a:rPr lang="en-US" dirty="0"/>
-              <a:t>2/11/17</a:t>
+              <a:t>2/12/17</a:t>
             </a:fld>
             <a:endParaRPr lang="en-US" dirty="0"/>
           </a:p>
@@ -6020,10 +6028,6 @@
               <a:rPr lang="en-US" dirty="0"/>
               <a:t>Developing a Tool to Visualize Multi-Agent Patrolling </a:t>
             </a:r>
-            <a:r>
-              <a:rPr lang="en-US" dirty="0"/>
-              <a:t/>
-            </a:r>
             <a:br>
               <a:rPr lang="en-US" dirty="0"/>
             </a:br>
@@ -6080,7 +6084,6 @@
               <a:rPr lang="en-US" dirty="0"/>
               <a:t>, Sheng Zhang</a:t>
             </a:r>
-            <a:endParaRPr lang="en-US" dirty="0"/>
           </a:p>
         </p:txBody>
       </p:sp>
@@ -6189,11 +6192,7 @@
             </a:r>
             <a:r>
               <a:rPr lang="en-US" dirty="0" smtClean="0"/>
-              <a:t>observations. Our GUI portion </a:t>
-            </a:r>
-            <a:r>
-              <a:rPr lang="en-US" dirty="0" smtClean="0"/>
-              <a:t>of Block View is a </a:t>
+              <a:t>observations. Our GUI portion of Block View is a </a:t>
             </a:r>
             <a:r>
               <a:rPr lang="en-US" altLang="zh-CN" dirty="0" smtClean="0"/>
@@ -6367,7 +6366,6 @@
               <a:rPr lang="en-US" dirty="0"/>
               <a:t>plan of action on the feedback</a:t>
             </a:r>
-            <a:endParaRPr lang="en-US" dirty="0"/>
           </a:p>
         </p:txBody>
       </p:sp>
@@ -6474,11 +6472,7 @@
             </a:r>
             <a:r>
               <a:rPr lang="en-US" dirty="0"/>
-              <a:t>keep track</a:t>
-            </a:r>
-            <a:r>
-              <a:rPr lang="en-US" dirty="0"/>
-              <a:t> </a:t>
+              <a:t>keep track </a:t>
             </a:r>
             <a:r>
               <a:rPr lang="en-US" dirty="0" smtClean="0"/>
@@ -6583,12 +6577,8 @@
               <a:t>ser </a:t>
             </a:r>
             <a:r>
-              <a:rPr lang="en-US" dirty="0"/>
-              <a:t>S</a:t>
-            </a:r>
-            <a:r>
               <a:rPr lang="en-US" dirty="0" smtClean="0"/>
-              <a:t>tories</a:t>
+              <a:t>Stories</a:t>
             </a:r>
             <a:endParaRPr lang="en-US" dirty="0"/>
           </a:p>
@@ -6604,11 +6594,82 @@
             <p:ph idx="1"/>
           </p:nvPr>
         </p:nvSpPr>
-        <p:spPr/>
+        <p:spPr>
+          <a:xfrm>
+            <a:off x="1104293" y="1724305"/>
+            <a:ext cx="8946541" cy="4195481"/>
+          </a:xfrm>
+        </p:spPr>
         <p:txBody>
           <a:bodyPr/>
           <a:lstStyle/>
           <a:p>
+            <a:endParaRPr lang="en-US" altLang="zh-CN" dirty="0" smtClean="0"/>
+          </a:p>
+          <a:p>
+            <a:r>
+              <a:rPr lang="en-US" altLang="zh-CN" dirty="0" smtClean="0"/>
+              <a:t>User</a:t>
+            </a:r>
+            <a:r>
+              <a:rPr lang="zh-CN" altLang="en-US" dirty="0" smtClean="0"/>
+              <a:t> </a:t>
+            </a:r>
+            <a:r>
+              <a:rPr lang="en-US" altLang="zh-CN" dirty="0" smtClean="0"/>
+              <a:t>s</a:t>
+            </a:r>
+            <a:r>
+              <a:rPr lang="en-US" dirty="0" smtClean="0"/>
+              <a:t>elects </a:t>
+            </a:r>
+            <a:r>
+              <a:rPr lang="en-US" dirty="0"/>
+              <a:t>to see a Graphical View</a:t>
+            </a:r>
+            <a:r>
+              <a:rPr lang="en-US" dirty="0"/>
+              <a:t> </a:t>
+            </a:r>
+            <a:endParaRPr lang="en-US" dirty="0" smtClean="0"/>
+          </a:p>
+          <a:p>
+            <a:pPr marL="0" indent="0">
+              <a:buNone/>
+            </a:pPr>
+            <a:endParaRPr lang="en-US" dirty="0" smtClean="0"/>
+          </a:p>
+          <a:p>
+            <a:r>
+              <a:rPr lang="en-US" dirty="0" smtClean="0"/>
+              <a:t>User loads </a:t>
+            </a:r>
+            <a:r>
+              <a:rPr lang="en-US" dirty="0"/>
+              <a:t>environment file</a:t>
+            </a:r>
+            <a:r>
+              <a:rPr lang="en-US" dirty="0"/>
+              <a:t> </a:t>
+            </a:r>
+            <a:endParaRPr lang="en-US" dirty="0" smtClean="0"/>
+          </a:p>
+          <a:p>
+            <a:endParaRPr lang="en-US" dirty="0"/>
+          </a:p>
+          <a:p>
+            <a:r>
+              <a:rPr lang="en-US" dirty="0" smtClean="0"/>
+              <a:t>User executes </a:t>
+            </a:r>
+            <a:r>
+              <a:rPr lang="en-US" dirty="0"/>
+              <a:t>the algorithm step by step or for a fixed number of steps</a:t>
+            </a:r>
+            <a:r>
+              <a:rPr lang="en-US" dirty="0"/>
+              <a:t> </a:t>
+            </a:r>
             <a:endParaRPr lang="en-US" dirty="0"/>
           </a:p>
         </p:txBody>
@@ -6688,7 +6749,93 @@
           <a:bodyPr/>
           <a:lstStyle/>
           <a:p>
-            <a:endParaRPr lang="en-US"/>
+            <a:pPr marL="0" indent="0">
+              <a:buNone/>
+            </a:pPr>
+            <a:r>
+              <a:rPr lang="en-US" altLang="zh-CN" sz="2400" dirty="0"/>
+              <a:t>User</a:t>
+            </a:r>
+            <a:r>
+              <a:rPr lang="zh-CN" altLang="en-US" sz="2400" dirty="0"/>
+              <a:t> </a:t>
+            </a:r>
+            <a:r>
+              <a:rPr lang="en-US" altLang="zh-CN" sz="2400" dirty="0"/>
+              <a:t>s</a:t>
+            </a:r>
+            <a:r>
+              <a:rPr lang="en-US" sz="2400" dirty="0"/>
+              <a:t>elects to see a Graphical View </a:t>
+            </a:r>
+            <a:endParaRPr lang="en-US" dirty="0" smtClean="0"/>
+          </a:p>
+          <a:p>
+            <a:r>
+              <a:rPr lang="en-US" dirty="0" smtClean="0"/>
+              <a:t>Develop </a:t>
+            </a:r>
+            <a:r>
+              <a:rPr lang="en-US" dirty="0"/>
+              <a:t>code to get data from block view or configuration </a:t>
+            </a:r>
+            <a:r>
+              <a:rPr lang="en-US" dirty="0" smtClean="0"/>
+              <a:t>file(</a:t>
+            </a:r>
+            <a:r>
+              <a:rPr lang="en-US" dirty="0" err="1" smtClean="0"/>
+              <a:t>chaohui</a:t>
+            </a:r>
+            <a:r>
+              <a:rPr lang="en-US" dirty="0" smtClean="0"/>
+              <a:t>) </a:t>
+            </a:r>
+          </a:p>
+          <a:p>
+            <a:r>
+              <a:rPr lang="en-US" dirty="0"/>
+              <a:t>Develop GUI to show the node part of the graphical view</a:t>
+            </a:r>
+            <a:r>
+              <a:rPr lang="en-US" dirty="0"/>
+              <a:t> </a:t>
+            </a:r>
+            <a:r>
+              <a:rPr lang="en-US" dirty="0" smtClean="0"/>
+              <a:t>(</a:t>
+            </a:r>
+            <a:r>
+              <a:rPr lang="en-US" dirty="0" err="1" smtClean="0"/>
+              <a:t>chaohui</a:t>
+            </a:r>
+            <a:r>
+              <a:rPr lang="en-US" dirty="0" smtClean="0"/>
+              <a:t>)</a:t>
+            </a:r>
+          </a:p>
+          <a:p>
+            <a:r>
+              <a:rPr lang="en-US" dirty="0"/>
+              <a:t>Develop GUI to show the edge part of graphical view</a:t>
+            </a:r>
+            <a:r>
+              <a:rPr lang="en-US" dirty="0"/>
+              <a:t> </a:t>
+            </a:r>
+            <a:r>
+              <a:rPr lang="en-US" dirty="0" smtClean="0"/>
+              <a:t>(</a:t>
+            </a:r>
+            <a:r>
+              <a:rPr lang="en-US" dirty="0" err="1" smtClean="0"/>
+              <a:t>chaohui</a:t>
+            </a:r>
+            <a:r>
+              <a:rPr lang="en-US" dirty="0" smtClean="0"/>
+              <a:t>)</a:t>
+            </a:r>
+            <a:endParaRPr lang="en-US" dirty="0"/>
           </a:p>
         </p:txBody>
       </p:sp>
@@ -6696,6 +6843,548 @@
     <p:extLst>
       <p:ext uri="{BB962C8B-B14F-4D97-AF65-F5344CB8AC3E}">
         <p14:creationId xmlns:p14="http://schemas.microsoft.com/office/powerpoint/2010/main" val="130975065"/>
+      </p:ext>
+    </p:extLst>
+  </p:cSld>
+  <p:clrMapOvr>
+    <a:masterClrMapping/>
+  </p:clrMapOvr>
+</p:sld>
+</file>
+
+<file path=ppt/slides/slide6.xml><?xml version="1.0" encoding="utf-8"?>
+<p:sld xmlns:a="http://schemas.openxmlformats.org/drawingml/2006/main" xmlns:r="http://schemas.openxmlformats.org/officeDocument/2006/relationships" xmlns:p="http://schemas.openxmlformats.org/presentationml/2006/main">
+  <p:cSld>
+    <p:spTree>
+      <p:nvGrpSpPr>
+        <p:cNvPr id="1" name=""/>
+        <p:cNvGrpSpPr/>
+        <p:nvPr/>
+      </p:nvGrpSpPr>
+      <p:grpSpPr>
+        <a:xfrm>
+          <a:off x="0" y="0"/>
+          <a:ext cx="0" cy="0"/>
+          <a:chOff x="0" y="0"/>
+          <a:chExt cx="0" cy="0"/>
+        </a:xfrm>
+      </p:grpSpPr>
+      <p:sp>
+        <p:nvSpPr>
+          <p:cNvPr id="2" name="Title 1"/>
+          <p:cNvSpPr>
+            <a:spLocks noGrp="1"/>
+          </p:cNvSpPr>
+          <p:nvPr>
+            <p:ph type="title"/>
+          </p:nvPr>
+        </p:nvSpPr>
+        <p:spPr/>
+        <p:txBody>
+          <a:bodyPr/>
+          <a:lstStyle/>
+          <a:p>
+            <a:r>
+              <a:rPr lang="en-US" dirty="0" smtClean="0"/>
+              <a:t>Sprint Tasks</a:t>
+            </a:r>
+            <a:endParaRPr lang="en-US" dirty="0"/>
+          </a:p>
+        </p:txBody>
+      </p:sp>
+      <p:sp>
+        <p:nvSpPr>
+          <p:cNvPr id="3" name="Content Placeholder 2"/>
+          <p:cNvSpPr>
+            <a:spLocks noGrp="1"/>
+          </p:cNvSpPr>
+          <p:nvPr>
+            <p:ph idx="1"/>
+          </p:nvPr>
+        </p:nvSpPr>
+        <p:spPr/>
+        <p:txBody>
+          <a:bodyPr/>
+          <a:lstStyle/>
+          <a:p>
+            <a:pPr marL="0" indent="0">
+              <a:buNone/>
+            </a:pPr>
+            <a:r>
+              <a:rPr lang="en-US" sz="2400" dirty="0"/>
+              <a:t>User loads environment file </a:t>
+            </a:r>
+            <a:endParaRPr lang="en-US" sz="2400" dirty="0" smtClean="0"/>
+          </a:p>
+          <a:p>
+            <a:r>
+              <a:rPr lang="en-US" dirty="0" smtClean="0"/>
+              <a:t>Develop </a:t>
+            </a:r>
+            <a:r>
+              <a:rPr lang="en-US" dirty="0"/>
+              <a:t>GUI to upload configuration file</a:t>
+            </a:r>
+            <a:r>
+              <a:rPr lang="en-US" dirty="0"/>
+              <a:t> </a:t>
+            </a:r>
+            <a:r>
+              <a:rPr lang="en-US" dirty="0" smtClean="0"/>
+              <a:t>(</a:t>
+            </a:r>
+            <a:r>
+              <a:rPr lang="en-US" dirty="0" err="1"/>
+              <a:t>Yifan</a:t>
+            </a:r>
+            <a:r>
+              <a:rPr lang="en-US" dirty="0"/>
+              <a:t> </a:t>
+            </a:r>
+            <a:r>
+              <a:rPr lang="en-US" dirty="0" smtClean="0"/>
+              <a:t>)</a:t>
+            </a:r>
+          </a:p>
+          <a:p>
+            <a:r>
+              <a:rPr lang="en-US" dirty="0"/>
+              <a:t>Develop code to read and parse configuration file</a:t>
+            </a:r>
+            <a:r>
+              <a:rPr lang="en-US" dirty="0"/>
+              <a:t> </a:t>
+            </a:r>
+            <a:r>
+              <a:rPr lang="en-US" dirty="0" smtClean="0"/>
+              <a:t>(</a:t>
+            </a:r>
+            <a:r>
+              <a:rPr lang="en-US" dirty="0"/>
+              <a:t>Sheng Zhang</a:t>
+            </a:r>
+            <a:r>
+              <a:rPr lang="en-US" dirty="0"/>
+              <a:t> </a:t>
+            </a:r>
+            <a:r>
+              <a:rPr lang="en-US" dirty="0" smtClean="0"/>
+              <a:t>)</a:t>
+            </a:r>
+          </a:p>
+          <a:p>
+            <a:r>
+              <a:rPr lang="en-US" dirty="0"/>
+              <a:t>Develop GUI to show the block view according the configuration file</a:t>
+            </a:r>
+            <a:r>
+              <a:rPr lang="en-US" dirty="0"/>
+              <a:t> </a:t>
+            </a:r>
+            <a:r>
+              <a:rPr lang="en-US" dirty="0" smtClean="0"/>
+              <a:t>(</a:t>
+            </a:r>
+            <a:r>
+              <a:rPr lang="en-US" dirty="0"/>
+              <a:t>Sheng Zhang</a:t>
+            </a:r>
+            <a:r>
+              <a:rPr lang="en-US" dirty="0"/>
+              <a:t> </a:t>
+            </a:r>
+            <a:r>
+              <a:rPr lang="en-US" dirty="0" smtClean="0"/>
+              <a:t>)</a:t>
+            </a:r>
+            <a:endParaRPr lang="en-US" dirty="0"/>
+          </a:p>
+        </p:txBody>
+      </p:sp>
+    </p:spTree>
+    <p:extLst>
+      <p:ext uri="{BB962C8B-B14F-4D97-AF65-F5344CB8AC3E}">
+        <p14:creationId xmlns:p14="http://schemas.microsoft.com/office/powerpoint/2010/main" val="438593048"/>
+      </p:ext>
+    </p:extLst>
+  </p:cSld>
+  <p:clrMapOvr>
+    <a:masterClrMapping/>
+  </p:clrMapOvr>
+</p:sld>
+</file>
+
+<file path=ppt/slides/slide7.xml><?xml version="1.0" encoding="utf-8"?>
+<p:sld xmlns:a="http://schemas.openxmlformats.org/drawingml/2006/main" xmlns:r="http://schemas.openxmlformats.org/officeDocument/2006/relationships" xmlns:p="http://schemas.openxmlformats.org/presentationml/2006/main">
+  <p:cSld>
+    <p:spTree>
+      <p:nvGrpSpPr>
+        <p:cNvPr id="1" name=""/>
+        <p:cNvGrpSpPr/>
+        <p:nvPr/>
+      </p:nvGrpSpPr>
+      <p:grpSpPr>
+        <a:xfrm>
+          <a:off x="0" y="0"/>
+          <a:ext cx="0" cy="0"/>
+          <a:chOff x="0" y="0"/>
+          <a:chExt cx="0" cy="0"/>
+        </a:xfrm>
+      </p:grpSpPr>
+      <p:sp>
+        <p:nvSpPr>
+          <p:cNvPr id="2" name="Title 1"/>
+          <p:cNvSpPr>
+            <a:spLocks noGrp="1"/>
+          </p:cNvSpPr>
+          <p:nvPr>
+            <p:ph type="title"/>
+          </p:nvPr>
+        </p:nvSpPr>
+        <p:spPr>
+          <a:xfrm>
+            <a:off x="646111" y="452718"/>
+            <a:ext cx="9404723" cy="1004607"/>
+          </a:xfrm>
+        </p:spPr>
+        <p:txBody>
+          <a:bodyPr/>
+          <a:lstStyle/>
+          <a:p>
+            <a:r>
+              <a:rPr lang="en-US" dirty="0" smtClean="0"/>
+              <a:t>Sprint Tasks</a:t>
+            </a:r>
+            <a:endParaRPr lang="en-US" dirty="0"/>
+          </a:p>
+        </p:txBody>
+      </p:sp>
+      <p:sp>
+        <p:nvSpPr>
+          <p:cNvPr id="3" name="Content Placeholder 2"/>
+          <p:cNvSpPr>
+            <a:spLocks noGrp="1"/>
+          </p:cNvSpPr>
+          <p:nvPr>
+            <p:ph idx="1"/>
+          </p:nvPr>
+        </p:nvSpPr>
+        <p:spPr>
+          <a:xfrm>
+            <a:off x="1104293" y="1667155"/>
+            <a:ext cx="8946541" cy="4195481"/>
+          </a:xfrm>
+        </p:spPr>
+        <p:txBody>
+          <a:bodyPr>
+            <a:normAutofit fontScale="92500" lnSpcReduction="10000"/>
+          </a:bodyPr>
+          <a:lstStyle/>
+          <a:p>
+            <a:pPr marL="0" indent="0">
+              <a:buNone/>
+            </a:pPr>
+            <a:r>
+              <a:rPr lang="en-US" sz="2400" dirty="0" smtClean="0"/>
+              <a:t>User executes </a:t>
+            </a:r>
+            <a:r>
+              <a:rPr lang="en-US" sz="2400" dirty="0"/>
+              <a:t>the algorithm step by step or for a fixed number of steps</a:t>
+            </a:r>
+            <a:r>
+              <a:rPr lang="en-US" sz="2400" dirty="0"/>
+              <a:t> </a:t>
+            </a:r>
+            <a:endParaRPr lang="en-US" sz="2400" dirty="0" smtClean="0"/>
+          </a:p>
+          <a:p>
+            <a:r>
+              <a:rPr lang="en-US" dirty="0" smtClean="0"/>
+              <a:t>Implement </a:t>
+            </a:r>
+            <a:r>
+              <a:rPr lang="en-US" dirty="0"/>
+              <a:t>patrol algorithm</a:t>
+            </a:r>
+            <a:r>
+              <a:rPr lang="en-US" dirty="0"/>
+              <a:t> </a:t>
+            </a:r>
+            <a:r>
+              <a:rPr lang="en-US" dirty="0" smtClean="0"/>
+              <a:t>(</a:t>
+            </a:r>
+            <a:r>
+              <a:rPr lang="en-US" dirty="0"/>
+              <a:t>Sheng </a:t>
+            </a:r>
+            <a:r>
+              <a:rPr lang="en-US" dirty="0" smtClean="0"/>
+              <a:t>Zhang)</a:t>
+            </a:r>
+          </a:p>
+          <a:p>
+            <a:r>
+              <a:rPr lang="en-US" dirty="0"/>
+              <a:t>Run the algorithm step by step</a:t>
+            </a:r>
+            <a:r>
+              <a:rPr lang="en-US" dirty="0"/>
+              <a:t> </a:t>
+            </a:r>
+            <a:r>
+              <a:rPr lang="en-US" dirty="0" smtClean="0"/>
+              <a:t>(Sheng Zhang)</a:t>
+            </a:r>
+          </a:p>
+          <a:p>
+            <a:r>
+              <a:rPr lang="en-US" dirty="0"/>
+              <a:t>Run the algorithm for a fixed number of step</a:t>
+            </a:r>
+            <a:r>
+              <a:rPr lang="en-US" dirty="0"/>
+              <a:t> </a:t>
+            </a:r>
+            <a:r>
+              <a:rPr lang="en-US" dirty="0" smtClean="0"/>
+              <a:t>(</a:t>
+            </a:r>
+            <a:r>
+              <a:rPr lang="en-US" dirty="0"/>
+              <a:t>Sheng </a:t>
+            </a:r>
+            <a:r>
+              <a:rPr lang="en-US" dirty="0" smtClean="0"/>
+              <a:t>Zhang)</a:t>
+            </a:r>
+          </a:p>
+          <a:p>
+            <a:r>
+              <a:rPr lang="en-US" dirty="0"/>
+              <a:t>Develop GUI to show the status of each step execution of the algorithm</a:t>
+            </a:r>
+            <a:r>
+              <a:rPr lang="en-US" dirty="0"/>
+              <a:t> </a:t>
+            </a:r>
+            <a:r>
+              <a:rPr lang="en-US" dirty="0" smtClean="0"/>
+              <a:t>(</a:t>
+            </a:r>
+            <a:r>
+              <a:rPr lang="en-US" dirty="0" err="1" smtClean="0"/>
+              <a:t>Yifan</a:t>
+            </a:r>
+            <a:r>
+              <a:rPr lang="en-US" dirty="0" smtClean="0"/>
+              <a:t>)</a:t>
+            </a:r>
+          </a:p>
+          <a:p>
+            <a:r>
+              <a:rPr lang="en-US" dirty="0"/>
+              <a:t>Develop the GUI portion of block view to show the status of a fixed steps execution of the algorithm</a:t>
+            </a:r>
+            <a:r>
+              <a:rPr lang="en-US" dirty="0"/>
+              <a:t> </a:t>
+            </a:r>
+            <a:r>
+              <a:rPr lang="en-US" dirty="0" smtClean="0"/>
+              <a:t>(</a:t>
+            </a:r>
+            <a:r>
+              <a:rPr lang="en-US" dirty="0" err="1" smtClean="0"/>
+              <a:t>Yifan</a:t>
+            </a:r>
+            <a:r>
+              <a:rPr lang="en-US" dirty="0" smtClean="0"/>
+              <a:t>)</a:t>
+            </a:r>
+          </a:p>
+          <a:p>
+            <a:r>
+              <a:rPr lang="en-US" dirty="0"/>
+              <a:t>Develop the GUI portion of block view provide options for user to choose run the algorithm step by step or execute the algorithm for a fixed number of times/steps</a:t>
+            </a:r>
+            <a:r>
+              <a:rPr lang="en-US" dirty="0"/>
+              <a:t> </a:t>
+            </a:r>
+            <a:r>
+              <a:rPr lang="en-US" dirty="0" smtClean="0"/>
+              <a:t>(</a:t>
+            </a:r>
+            <a:r>
+              <a:rPr lang="en-US" dirty="0" err="1"/>
+              <a:t>Yifan</a:t>
+            </a:r>
+            <a:r>
+              <a:rPr lang="en-US" dirty="0"/>
+              <a:t> </a:t>
+            </a:r>
+            <a:r>
+              <a:rPr lang="en-US" dirty="0" smtClean="0"/>
+              <a:t>)</a:t>
+            </a:r>
+            <a:endParaRPr lang="en-US" dirty="0"/>
+          </a:p>
+        </p:txBody>
+      </p:sp>
+    </p:spTree>
+    <p:extLst>
+      <p:ext uri="{BB962C8B-B14F-4D97-AF65-F5344CB8AC3E}">
+        <p14:creationId xmlns:p14="http://schemas.microsoft.com/office/powerpoint/2010/main" val="673434130"/>
+      </p:ext>
+    </p:extLst>
+  </p:cSld>
+  <p:clrMapOvr>
+    <a:masterClrMapping/>
+  </p:clrMapOvr>
+</p:sld>
+</file>
+
+<file path=ppt/slides/slide8.xml><?xml version="1.0" encoding="utf-8"?>
+<p:sld xmlns:a="http://schemas.openxmlformats.org/drawingml/2006/main" xmlns:r="http://schemas.openxmlformats.org/officeDocument/2006/relationships" xmlns:p="http://schemas.openxmlformats.org/presentationml/2006/main">
+  <p:cSld>
+    <p:spTree>
+      <p:nvGrpSpPr>
+        <p:cNvPr id="1" name=""/>
+        <p:cNvGrpSpPr/>
+        <p:nvPr/>
+      </p:nvGrpSpPr>
+      <p:grpSpPr>
+        <a:xfrm>
+          <a:off x="0" y="0"/>
+          <a:ext cx="0" cy="0"/>
+          <a:chOff x="0" y="0"/>
+          <a:chExt cx="0" cy="0"/>
+        </a:xfrm>
+      </p:grpSpPr>
+      <p:sp>
+        <p:nvSpPr>
+          <p:cNvPr id="2" name="Title 1"/>
+          <p:cNvSpPr>
+            <a:spLocks noGrp="1"/>
+          </p:cNvSpPr>
+          <p:nvPr>
+            <p:ph type="title"/>
+          </p:nvPr>
+        </p:nvSpPr>
+        <p:spPr/>
+        <p:txBody>
+          <a:bodyPr/>
+          <a:lstStyle/>
+          <a:p>
+            <a:r>
+              <a:rPr lang="en-US" dirty="0" smtClean="0"/>
+              <a:t>Sprint Tasks</a:t>
+            </a:r>
+            <a:endParaRPr lang="en-US" dirty="0"/>
+          </a:p>
+        </p:txBody>
+      </p:sp>
+      <p:sp>
+        <p:nvSpPr>
+          <p:cNvPr id="3" name="Content Placeholder 2"/>
+          <p:cNvSpPr>
+            <a:spLocks noGrp="1"/>
+          </p:cNvSpPr>
+          <p:nvPr>
+            <p:ph idx="1"/>
+          </p:nvPr>
+        </p:nvSpPr>
+        <p:spPr/>
+        <p:txBody>
+          <a:bodyPr/>
+          <a:lstStyle/>
+          <a:p>
+            <a:r>
+              <a:rPr lang="en-US" dirty="0"/>
+              <a:t>Develop the GUI portion of graphical view to show the status of a fixed steps execution of the algorithm</a:t>
+            </a:r>
+            <a:r>
+              <a:rPr lang="en-US" dirty="0"/>
+              <a:t> </a:t>
+            </a:r>
+            <a:r>
+              <a:rPr lang="en-US" dirty="0" smtClean="0"/>
+              <a:t>(</a:t>
+            </a:r>
+            <a:r>
+              <a:rPr lang="en-US" dirty="0" err="1"/>
+              <a:t>Chaohui</a:t>
+            </a:r>
+            <a:r>
+              <a:rPr lang="en-US" dirty="0"/>
+              <a:t> </a:t>
+            </a:r>
+            <a:r>
+              <a:rPr lang="en-US" dirty="0" smtClean="0"/>
+              <a:t>)</a:t>
+            </a:r>
+          </a:p>
+          <a:p>
+            <a:r>
+              <a:rPr lang="en-US" dirty="0"/>
+              <a:t>Develop the GUI portion of graphical view provide options for user to choose run the algorithm step by step or execute the algorithm for a fixed number of times/steps</a:t>
+            </a:r>
+            <a:r>
+              <a:rPr lang="en-US" dirty="0"/>
+              <a:t> </a:t>
+            </a:r>
+            <a:r>
+              <a:rPr lang="en-US" dirty="0" smtClean="0"/>
+              <a:t>(</a:t>
+            </a:r>
+            <a:r>
+              <a:rPr lang="en-US" dirty="0" err="1"/>
+              <a:t>Chaohui</a:t>
+            </a:r>
+            <a:r>
+              <a:rPr lang="en-US" dirty="0"/>
+              <a:t> </a:t>
+            </a:r>
+            <a:r>
+              <a:rPr lang="en-US" dirty="0" smtClean="0"/>
+              <a:t>)</a:t>
+            </a:r>
+          </a:p>
+          <a:p>
+            <a:r>
+              <a:rPr lang="en-US" dirty="0"/>
+              <a:t>Set up DB for storing run information</a:t>
+            </a:r>
+            <a:r>
+              <a:rPr lang="en-US" dirty="0"/>
+              <a:t> </a:t>
+            </a:r>
+            <a:r>
+              <a:rPr lang="en-US" dirty="0" smtClean="0"/>
+              <a:t>(</a:t>
+            </a:r>
+            <a:r>
+              <a:rPr lang="en-US" dirty="0" err="1"/>
+              <a:t>Chaohui</a:t>
+            </a:r>
+            <a:r>
+              <a:rPr lang="en-US" dirty="0"/>
+              <a:t> </a:t>
+            </a:r>
+            <a:r>
+              <a:rPr lang="en-US" dirty="0" smtClean="0"/>
+              <a:t>)</a:t>
+            </a:r>
+            <a:endParaRPr lang="en-US" dirty="0"/>
+          </a:p>
+        </p:txBody>
+      </p:sp>
+    </p:spTree>
+    <p:extLst>
+      <p:ext uri="{BB962C8B-B14F-4D97-AF65-F5344CB8AC3E}">
+        <p14:creationId xmlns:p14="http://schemas.microsoft.com/office/powerpoint/2010/main" val="496167395"/>
       </p:ext>
     </p:extLst>
   </p:cSld>

--- a/documents/second_presentation.pptx
+++ b/documents/second_presentation.pptx
@@ -305,7 +305,7 @@
           <a:p>
             <a:fld id="{4AAD347D-5ACD-4C99-B74B-A9C85AD731AF}" type="datetimeFigureOut">
               <a:rPr lang="en-US" dirty="0"/>
-              <a:t>2/12/17</a:t>
+              <a:t>2/13/17</a:t>
             </a:fld>
             <a:endParaRPr lang="en-US" dirty="0"/>
           </a:p>
@@ -575,7 +575,7 @@
           <a:p>
             <a:fld id="{4509A250-FF31-4206-8172-F9D3106AACB1}" type="datetimeFigureOut">
               <a:rPr lang="en-US" dirty="0"/>
-              <a:t>2/12/17</a:t>
+              <a:t>2/13/17</a:t>
             </a:fld>
             <a:endParaRPr lang="en-US" dirty="0"/>
           </a:p>
@@ -764,7 +764,7 @@
           <a:p>
             <a:fld id="{4509A250-FF31-4206-8172-F9D3106AACB1}" type="datetimeFigureOut">
               <a:rPr lang="en-US" dirty="0"/>
-              <a:t>2/12/17</a:t>
+              <a:t>2/13/17</a:t>
             </a:fld>
             <a:endParaRPr lang="en-US" dirty="0"/>
           </a:p>
@@ -1032,7 +1032,7 @@
           <a:p>
             <a:fld id="{4509A250-FF31-4206-8172-F9D3106AACB1}" type="datetimeFigureOut">
               <a:rPr lang="en-US" dirty="0"/>
-              <a:t>2/12/17</a:t>
+              <a:t>2/13/17</a:t>
             </a:fld>
             <a:endParaRPr lang="en-US" dirty="0"/>
           </a:p>
@@ -1368,7 +1368,7 @@
           <a:p>
             <a:fld id="{4509A250-FF31-4206-8172-F9D3106AACB1}" type="datetimeFigureOut">
               <a:rPr lang="en-US" dirty="0"/>
-              <a:t>2/12/17</a:t>
+              <a:t>2/13/17</a:t>
             </a:fld>
             <a:endParaRPr lang="en-US" dirty="0"/>
           </a:p>
@@ -1986,7 +1986,7 @@
           <a:p>
             <a:fld id="{4509A250-FF31-4206-8172-F9D3106AACB1}" type="datetimeFigureOut">
               <a:rPr lang="en-US" dirty="0"/>
-              <a:t>2/12/17</a:t>
+              <a:t>2/13/17</a:t>
             </a:fld>
             <a:endParaRPr lang="en-US" dirty="0"/>
           </a:p>
@@ -2841,7 +2841,7 @@
           <a:p>
             <a:fld id="{4509A250-FF31-4206-8172-F9D3106AACB1}" type="datetimeFigureOut">
               <a:rPr lang="en-US" dirty="0"/>
-              <a:t>2/12/17</a:t>
+              <a:t>2/13/17</a:t>
             </a:fld>
             <a:endParaRPr lang="en-US" dirty="0"/>
           </a:p>
@@ -3006,7 +3006,7 @@
           <a:p>
             <a:fld id="{4509A250-FF31-4206-8172-F9D3106AACB1}" type="datetimeFigureOut">
               <a:rPr lang="en-US" dirty="0"/>
-              <a:t>2/12/17</a:t>
+              <a:t>2/13/17</a:t>
             </a:fld>
             <a:endParaRPr lang="en-US" dirty="0"/>
           </a:p>
@@ -3181,7 +3181,7 @@
           <a:p>
             <a:fld id="{4509A250-FF31-4206-8172-F9D3106AACB1}" type="datetimeFigureOut">
               <a:rPr lang="en-US" dirty="0"/>
-              <a:t>2/12/17</a:t>
+              <a:t>2/13/17</a:t>
             </a:fld>
             <a:endParaRPr lang="en-US" dirty="0"/>
           </a:p>
@@ -3346,7 +3346,7 @@
           <a:p>
             <a:fld id="{4509A250-FF31-4206-8172-F9D3106AACB1}" type="datetimeFigureOut">
               <a:rPr lang="en-US" dirty="0"/>
-              <a:t>2/12/17</a:t>
+              <a:t>2/13/17</a:t>
             </a:fld>
             <a:endParaRPr lang="en-US" dirty="0"/>
           </a:p>
@@ -3588,7 +3588,7 @@
           <a:p>
             <a:fld id="{9796027F-7875-4030-9381-8BD8C4F21935}" type="datetimeFigureOut">
               <a:rPr lang="en-US" dirty="0"/>
-              <a:t>2/12/17</a:t>
+              <a:t>2/13/17</a:t>
             </a:fld>
             <a:endParaRPr lang="en-US" dirty="0"/>
           </a:p>
@@ -3875,7 +3875,7 @@
           <a:p>
             <a:fld id="{9796027F-7875-4030-9381-8BD8C4F21935}" type="datetimeFigureOut">
               <a:rPr lang="en-US" dirty="0"/>
-              <a:t>2/12/17</a:t>
+              <a:t>2/13/17</a:t>
             </a:fld>
             <a:endParaRPr lang="en-US" dirty="0"/>
           </a:p>
@@ -4314,7 +4314,7 @@
           <a:p>
             <a:fld id="{9796027F-7875-4030-9381-8BD8C4F21935}" type="datetimeFigureOut">
               <a:rPr lang="en-US" dirty="0"/>
-              <a:t>2/12/17</a:t>
+              <a:t>2/13/17</a:t>
             </a:fld>
             <a:endParaRPr lang="en-US" dirty="0"/>
           </a:p>
@@ -4427,7 +4427,7 @@
           <a:p>
             <a:fld id="{4509A250-FF31-4206-8172-F9D3106AACB1}" type="datetimeFigureOut">
               <a:rPr lang="en-US" dirty="0"/>
-              <a:t>2/12/17</a:t>
+              <a:t>2/13/17</a:t>
             </a:fld>
             <a:endParaRPr lang="en-US" dirty="0"/>
           </a:p>
@@ -4517,7 +4517,7 @@
           <a:p>
             <a:fld id="{4509A250-FF31-4206-8172-F9D3106AACB1}" type="datetimeFigureOut">
               <a:rPr lang="en-US" dirty="0"/>
-              <a:t>2/12/17</a:t>
+              <a:t>2/13/17</a:t>
             </a:fld>
             <a:endParaRPr lang="en-US" dirty="0"/>
           </a:p>
@@ -4791,7 +4791,7 @@
           <a:p>
             <a:fld id="{4509A250-FF31-4206-8172-F9D3106AACB1}" type="datetimeFigureOut">
               <a:rPr lang="en-US" dirty="0"/>
-              <a:t>2/12/17</a:t>
+              <a:t>2/13/17</a:t>
             </a:fld>
             <a:endParaRPr lang="en-US" dirty="0"/>
           </a:p>
@@ -5061,7 +5061,7 @@
           <a:p>
             <a:fld id="{4509A250-FF31-4206-8172-F9D3106AACB1}" type="datetimeFigureOut">
               <a:rPr lang="en-US" dirty="0"/>
-              <a:t>2/12/17</a:t>
+              <a:t>2/13/17</a:t>
             </a:fld>
             <a:endParaRPr lang="en-US" dirty="0"/>
           </a:p>
@@ -5485,7 +5485,7 @@
           <a:p>
             <a:fld id="{4AAD347D-5ACD-4C99-B74B-A9C85AD731AF}" type="datetimeFigureOut">
               <a:rPr lang="en-US" dirty="0"/>
-              <a:t>2/12/17</a:t>
+              <a:t>2/13/17</a:t>
             </a:fld>
             <a:endParaRPr lang="en-US" dirty="0"/>
           </a:p>
@@ -6025,8 +6025,12 @@
           <a:lstStyle/>
           <a:p>
             <a:r>
-              <a:rPr lang="en-US" dirty="0"/>
-              <a:t>Developing a Tool to Visualize Multi-Agent Patrolling </a:t>
+              <a:rPr lang="en-US" dirty="0" smtClean="0"/>
+              <a:t>Visualizing </a:t>
+            </a:r>
+            <a:r>
+              <a:rPr lang="en-US" dirty="0"/>
+              <a:t>Multi-Agent Patrolling </a:t>
             </a:r>
             <a:br>
               <a:rPr lang="en-US" dirty="0"/>
@@ -6217,7 +6221,15 @@
             </a:r>
             <a:r>
               <a:rPr lang="en-US" dirty="0" smtClean="0"/>
-              <a:t>have a reasonable process for agents in different regions. Secondly, we can finish more during the first demo. Thirdly, </a:t>
+              <a:t>have a reasonable process for agents in different regions. Secondly, </a:t>
+            </a:r>
+            <a:r>
+              <a:rPr lang="en-US" dirty="0" smtClean="0"/>
+              <a:t>we need to improve our velocity. </a:t>
+            </a:r>
+            <a:r>
+              <a:rPr lang="en-US" dirty="0" smtClean="0"/>
+              <a:t>Thirdly, </a:t>
             </a:r>
             <a:r>
               <a:rPr lang="en-US" dirty="0"/>
@@ -6263,11 +6275,15 @@
             </a:r>
             <a:r>
               <a:rPr lang="en-US" altLang="zh-CN" dirty="0" smtClean="0"/>
-              <a:t>Documents. First, we </a:t>
+              <a:t>Documents. </a:t>
+            </a:r>
+            <a:r>
+              <a:rPr lang="en-US" altLang="zh-CN" dirty="0" smtClean="0"/>
+              <a:t>Firstly, divide </a:t>
             </a:r>
             <a:r>
               <a:rPr lang="en-US" altLang="zh-CN" dirty="0"/>
-              <a:t>should  divide the workload equally among all three of </a:t>
+              <a:t>the workload equally among all three of </a:t>
             </a:r>
             <a:r>
               <a:rPr lang="en-US" altLang="zh-CN" dirty="0" smtClean="0"/>
@@ -6279,15 +6295,31 @@
             </a:r>
             <a:r>
               <a:rPr lang="en-US" altLang="zh-CN" dirty="0" smtClean="0"/>
-              <a:t>schedule. Second, the data of sprint tasks should be considered</a:t>
-            </a:r>
-            <a:r>
-              <a:rPr lang="zh-CN" altLang="en-US" dirty="0" smtClean="0"/>
-              <a:t> </a:t>
+              <a:t>schedule. </a:t>
             </a:r>
             <a:r>
               <a:rPr lang="en-US" altLang="zh-CN" dirty="0" smtClean="0"/>
-              <a:t>and do not forget to update it. Third, thinking about what kind of test case is necessary before writing the test case.</a:t>
+              <a:t>Secondly, don</a:t>
+            </a:r>
+            <a:r>
+              <a:rPr lang="mr-IN" altLang="zh-CN" dirty="0" smtClean="0"/>
+              <a:t>’</a:t>
+            </a:r>
+            <a:r>
+              <a:rPr lang="en-US" altLang="zh-CN" dirty="0" smtClean="0"/>
+              <a:t>t forget to update the sprint tasks table to track our progress. Thirdly, think about </a:t>
+            </a:r>
+            <a:r>
+              <a:rPr lang="en-US" altLang="zh-CN" dirty="0" smtClean="0"/>
+              <a:t>what kind of test </a:t>
+            </a:r>
+            <a:r>
+              <a:rPr lang="en-US" altLang="zh-CN" dirty="0" smtClean="0"/>
+              <a:t>cases </a:t>
+            </a:r>
+            <a:r>
+              <a:rPr lang="en-US" altLang="zh-CN" dirty="0" smtClean="0"/>
+              <a:t>is necessary before writing the test case.</a:t>
             </a:r>
             <a:endParaRPr lang="en-US" altLang="zh-CN" dirty="0"/>
           </a:p>
@@ -6355,8 +6387,41 @@
           <a:lstStyle/>
           <a:p>
             <a:r>
-              <a:rPr lang="en-US" dirty="0"/>
-              <a:t>A</a:t>
+              <a:rPr lang="en-US" dirty="0" smtClean="0"/>
+              <a:t>A plan of action on the feedback</a:t>
+            </a:r>
+            <a:endParaRPr lang="en-US" dirty="0"/>
+          </a:p>
+        </p:txBody>
+      </p:sp>
+      <p:sp>
+        <p:nvSpPr>
+          <p:cNvPr id="3" name="Content Placeholder 2"/>
+          <p:cNvSpPr>
+            <a:spLocks noGrp="1"/>
+          </p:cNvSpPr>
+          <p:nvPr>
+            <p:ph idx="1"/>
+          </p:nvPr>
+        </p:nvSpPr>
+        <p:spPr/>
+        <p:txBody>
+          <a:bodyPr/>
+          <a:lstStyle/>
+          <a:p>
+            <a:r>
+              <a:rPr lang="en-US" dirty="0" smtClean="0"/>
+              <a:t>Keep good GUI style</a:t>
+            </a:r>
+          </a:p>
+          <a:p>
+            <a:r>
+              <a:rPr lang="en-US" dirty="0" smtClean="0"/>
+              <a:t>Make sure the GUI show</a:t>
+            </a:r>
+            <a:r>
+              <a:rPr lang="en-US" altLang="zh-CN" dirty="0" smtClean="0"/>
+              <a:t>s</a:t>
             </a:r>
             <a:r>
               <a:rPr lang="en-US" dirty="0" smtClean="0"/>
@@ -6364,46 +6429,6 @@
             </a:r>
             <a:r>
               <a:rPr lang="en-US" dirty="0"/>
-              <a:t>plan of action on the feedback</a:t>
-            </a:r>
-          </a:p>
-        </p:txBody>
-      </p:sp>
-      <p:sp>
-        <p:nvSpPr>
-          <p:cNvPr id="3" name="Content Placeholder 2"/>
-          <p:cNvSpPr>
-            <a:spLocks noGrp="1"/>
-          </p:cNvSpPr>
-          <p:nvPr>
-            <p:ph idx="1"/>
-          </p:nvPr>
-        </p:nvSpPr>
-        <p:spPr/>
-        <p:txBody>
-          <a:bodyPr/>
-          <a:lstStyle/>
-          <a:p>
-            <a:r>
-              <a:rPr lang="en-US" dirty="0" smtClean="0"/>
-              <a:t>Keep good GUI style</a:t>
-            </a:r>
-          </a:p>
-          <a:p>
-            <a:r>
-              <a:rPr lang="en-US" dirty="0" smtClean="0"/>
-              <a:t>Make sure the GUI show</a:t>
-            </a:r>
-            <a:r>
-              <a:rPr lang="en-US" altLang="zh-CN" dirty="0" smtClean="0"/>
-              <a:t>s</a:t>
-            </a:r>
-            <a:r>
-              <a:rPr lang="en-US" dirty="0" smtClean="0"/>
-              <a:t> </a:t>
-            </a:r>
-            <a:r>
-              <a:rPr lang="en-US" dirty="0"/>
               <a:t>the information </a:t>
             </a:r>
             <a:r>
@@ -6428,8 +6453,13 @@
           <a:p>
             <a:r>
               <a:rPr lang="en-US" dirty="0" smtClean="0"/>
-              <a:t>To improve the equal participation during every activity</a:t>
-            </a:r>
+              <a:t>To improve the equal </a:t>
+            </a:r>
+            <a:r>
+              <a:rPr lang="en-US" dirty="0" smtClean="0"/>
+              <a:t>participation</a:t>
+            </a:r>
+            <a:endParaRPr lang="en-US" dirty="0" smtClean="0"/>
           </a:p>
           <a:p>
             <a:r>
@@ -6482,11 +6512,23 @@
           <a:p>
             <a:r>
               <a:rPr lang="en-US" dirty="0" smtClean="0"/>
-              <a:t>To make a </a:t>
+              <a:t>To </a:t>
+            </a:r>
+            <a:r>
+              <a:rPr lang="en-US" dirty="0" smtClean="0"/>
+              <a:t>design </a:t>
             </a:r>
             <a:r>
               <a:rPr lang="en-US" altLang="zh-CN" dirty="0" smtClean="0"/>
-              <a:t>effective test case, so that we can valid the </a:t>
+              <a:t>effective test </a:t>
+            </a:r>
+            <a:r>
+              <a:rPr lang="en-US" altLang="zh-CN" dirty="0" smtClean="0"/>
+              <a:t>cases, </a:t>
+            </a:r>
+            <a:r>
+              <a:rPr lang="en-US" altLang="zh-CN" dirty="0" smtClean="0"/>
+              <a:t>so that we can valid the </a:t>
             </a:r>
             <a:r>
               <a:rPr lang="en-US" altLang="zh-CN" dirty="0"/>
@@ -6574,11 +6616,7 @@
             </a:r>
             <a:r>
               <a:rPr lang="en-US" dirty="0" smtClean="0"/>
-              <a:t>ser </a:t>
-            </a:r>
-            <a:r>
-              <a:rPr lang="en-US" dirty="0" smtClean="0"/>
-              <a:t>Stories</a:t>
+              <a:t>ser Stories</a:t>
             </a:r>
             <a:endParaRPr lang="en-US" dirty="0"/>
           </a:p>
@@ -6625,11 +6663,7 @@
             </a:r>
             <a:r>
               <a:rPr lang="en-US" dirty="0"/>
-              <a:t>to see a Graphical View</a:t>
-            </a:r>
-            <a:r>
-              <a:rPr lang="en-US" dirty="0"/>
-              <a:t> </a:t>
+              <a:t>to see a Graphical View </a:t>
             </a:r>
             <a:endParaRPr lang="en-US" dirty="0" smtClean="0"/>
           </a:p>
@@ -6646,11 +6680,7 @@
             </a:r>
             <a:r>
               <a:rPr lang="en-US" dirty="0"/>
-              <a:t>environment file</a:t>
-            </a:r>
-            <a:r>
-              <a:rPr lang="en-US" dirty="0"/>
-              <a:t> </a:t>
+              <a:t>environment file </a:t>
             </a:r>
             <a:endParaRPr lang="en-US" dirty="0" smtClean="0"/>
           </a:p>
@@ -6664,13 +6694,8 @@
             </a:r>
             <a:r>
               <a:rPr lang="en-US" dirty="0"/>
-              <a:t>the algorithm step by step or for a fixed number of steps</a:t>
-            </a:r>
-            <a:r>
-              <a:rPr lang="en-US" dirty="0"/>
-              <a:t> </a:t>
-            </a:r>
-            <a:endParaRPr lang="en-US" dirty="0"/>
+              <a:t>the algorithm step by step or for a fixed number of steps </a:t>
+            </a:r>
           </a:p>
         </p:txBody>
       </p:sp>
@@ -6795,11 +6820,7 @@
           <a:p>
             <a:r>
               <a:rPr lang="en-US" dirty="0"/>
-              <a:t>Develop GUI to show the node part of the graphical view</a:t>
-            </a:r>
-            <a:r>
-              <a:rPr lang="en-US" dirty="0"/>
-              <a:t> </a:t>
+              <a:t>Develop GUI to show the node part of the graphical view </a:t>
             </a:r>
             <a:r>
               <a:rPr lang="en-US" dirty="0" smtClean="0"/>
@@ -6817,11 +6838,7 @@
           <a:p>
             <a:r>
               <a:rPr lang="en-US" dirty="0"/>
-              <a:t>Develop GUI to show the edge part of graphical view</a:t>
-            </a:r>
-            <a:r>
-              <a:rPr lang="en-US" dirty="0"/>
-              <a:t> </a:t>
+              <a:t>Develop GUI to show the edge part of graphical view </a:t>
             </a:r>
             <a:r>
               <a:rPr lang="en-US" dirty="0" smtClean="0"/>
@@ -6923,11 +6940,7 @@
             </a:r>
             <a:r>
               <a:rPr lang="en-US" dirty="0"/>
-              <a:t>GUI to upload configuration file</a:t>
-            </a:r>
-            <a:r>
-              <a:rPr lang="en-US" dirty="0"/>
-              <a:t> </a:t>
+              <a:t>GUI to upload configuration file </a:t>
             </a:r>
             <a:r>
               <a:rPr lang="en-US" dirty="0" smtClean="0"/>
@@ -6949,11 +6962,7 @@
           <a:p>
             <a:r>
               <a:rPr lang="en-US" dirty="0"/>
-              <a:t>Develop code to read and parse configuration file</a:t>
-            </a:r>
-            <a:r>
-              <a:rPr lang="en-US" dirty="0"/>
-              <a:t> </a:t>
+              <a:t>Develop code to read and parse configuration file </a:t>
             </a:r>
             <a:r>
               <a:rPr lang="en-US" dirty="0" smtClean="0"/>
@@ -6961,11 +6970,7 @@
             </a:r>
             <a:r>
               <a:rPr lang="en-US" dirty="0"/>
-              <a:t>Sheng Zhang</a:t>
-            </a:r>
-            <a:r>
-              <a:rPr lang="en-US" dirty="0"/>
-              <a:t> </a:t>
+              <a:t>Sheng Zhang </a:t>
             </a:r>
             <a:r>
               <a:rPr lang="en-US" dirty="0" smtClean="0"/>
@@ -6975,11 +6980,7 @@
           <a:p>
             <a:r>
               <a:rPr lang="en-US" dirty="0"/>
-              <a:t>Develop GUI to show the block view according the configuration file</a:t>
-            </a:r>
-            <a:r>
-              <a:rPr lang="en-US" dirty="0"/>
-              <a:t> </a:t>
+              <a:t>Develop GUI to show the block view according the configuration file </a:t>
             </a:r>
             <a:r>
               <a:rPr lang="en-US" dirty="0" smtClean="0"/>
@@ -6987,11 +6988,7 @@
             </a:r>
             <a:r>
               <a:rPr lang="en-US" dirty="0"/>
-              <a:t>Sheng Zhang</a:t>
-            </a:r>
-            <a:r>
-              <a:rPr lang="en-US" dirty="0"/>
-              <a:t> </a:t>
+              <a:t>Sheng Zhang </a:t>
             </a:r>
             <a:r>
               <a:rPr lang="en-US" dirty="0" smtClean="0"/>
@@ -7090,11 +7087,7 @@
             </a:r>
             <a:r>
               <a:rPr lang="en-US" sz="2400" dirty="0"/>
-              <a:t>the algorithm step by step or for a fixed number of steps</a:t>
-            </a:r>
-            <a:r>
-              <a:rPr lang="en-US" sz="2400" dirty="0"/>
-              <a:t> </a:t>
+              <a:t>the algorithm step by step or for a fixed number of steps </a:t>
             </a:r>
             <a:endParaRPr lang="en-US" sz="2400" dirty="0" smtClean="0"/>
           </a:p>
@@ -7105,11 +7098,7 @@
             </a:r>
             <a:r>
               <a:rPr lang="en-US" dirty="0"/>
-              <a:t>patrol algorithm</a:t>
-            </a:r>
-            <a:r>
-              <a:rPr lang="en-US" dirty="0"/>
-              <a:t> </a:t>
+              <a:t>patrol algorithm </a:t>
             </a:r>
             <a:r>
               <a:rPr lang="en-US" dirty="0" smtClean="0"/>
@@ -7127,11 +7116,7 @@
           <a:p>
             <a:r>
               <a:rPr lang="en-US" dirty="0"/>
-              <a:t>Run the algorithm step by step</a:t>
-            </a:r>
-            <a:r>
-              <a:rPr lang="en-US" dirty="0"/>
-              <a:t> </a:t>
+              <a:t>Run the algorithm step by step </a:t>
             </a:r>
             <a:r>
               <a:rPr lang="en-US" dirty="0" smtClean="0"/>
@@ -7141,11 +7126,7 @@
           <a:p>
             <a:r>
               <a:rPr lang="en-US" dirty="0"/>
-              <a:t>Run the algorithm for a fixed number of step</a:t>
-            </a:r>
-            <a:r>
-              <a:rPr lang="en-US" dirty="0"/>
-              <a:t> </a:t>
+              <a:t>Run the algorithm for a fixed number of step </a:t>
             </a:r>
             <a:r>
               <a:rPr lang="en-US" dirty="0" smtClean="0"/>
@@ -7163,11 +7144,7 @@
           <a:p>
             <a:r>
               <a:rPr lang="en-US" dirty="0"/>
-              <a:t>Develop GUI to show the status of each step execution of the algorithm</a:t>
-            </a:r>
-            <a:r>
-              <a:rPr lang="en-US" dirty="0"/>
-              <a:t> </a:t>
+              <a:t>Develop GUI to show the status of each step execution of the algorithm </a:t>
             </a:r>
             <a:r>
               <a:rPr lang="en-US" dirty="0" smtClean="0"/>
@@ -7185,11 +7162,7 @@
           <a:p>
             <a:r>
               <a:rPr lang="en-US" dirty="0"/>
-              <a:t>Develop the GUI portion of block view to show the status of a fixed steps execution of the algorithm</a:t>
-            </a:r>
-            <a:r>
-              <a:rPr lang="en-US" dirty="0"/>
-              <a:t> </a:t>
+              <a:t>Develop the GUI portion of block view to show the status of a fixed steps execution of the algorithm </a:t>
             </a:r>
             <a:r>
               <a:rPr lang="en-US" dirty="0" smtClean="0"/>
@@ -7207,11 +7180,7 @@
           <a:p>
             <a:r>
               <a:rPr lang="en-US" dirty="0"/>
-              <a:t>Develop the GUI portion of block view provide options for user to choose run the algorithm step by step or execute the algorithm for a fixed number of times/steps</a:t>
-            </a:r>
-            <a:r>
-              <a:rPr lang="en-US" dirty="0"/>
-              <a:t> </a:t>
+              <a:t>Develop the GUI portion of block view provide options for user to choose run the algorithm step by step or execute the algorithm for a fixed number of times/steps </a:t>
             </a:r>
             <a:r>
               <a:rPr lang="en-US" dirty="0" smtClean="0"/>
@@ -7303,11 +7272,7 @@
           <a:p>
             <a:r>
               <a:rPr lang="en-US" dirty="0"/>
-              <a:t>Develop the GUI portion of graphical view to show the status of a fixed steps execution of the algorithm</a:t>
-            </a:r>
-            <a:r>
-              <a:rPr lang="en-US" dirty="0"/>
-              <a:t> </a:t>
+              <a:t>Develop the GUI portion of graphical view to show the status of a fixed steps execution of the algorithm </a:t>
             </a:r>
             <a:r>
               <a:rPr lang="en-US" dirty="0" smtClean="0"/>
@@ -7329,11 +7294,7 @@
           <a:p>
             <a:r>
               <a:rPr lang="en-US" dirty="0"/>
-              <a:t>Develop the GUI portion of graphical view provide options for user to choose run the algorithm step by step or execute the algorithm for a fixed number of times/steps</a:t>
-            </a:r>
-            <a:r>
-              <a:rPr lang="en-US" dirty="0"/>
-              <a:t> </a:t>
+              <a:t>Develop the GUI portion of graphical view provide options for user to choose run the algorithm step by step or execute the algorithm for a fixed number of times/steps </a:t>
             </a:r>
             <a:r>
               <a:rPr lang="en-US" dirty="0" smtClean="0"/>
@@ -7355,11 +7316,7 @@
           <a:p>
             <a:r>
               <a:rPr lang="en-US" dirty="0"/>
-              <a:t>Set up DB for storing run information</a:t>
-            </a:r>
-            <a:r>
-              <a:rPr lang="en-US" dirty="0"/>
-              <a:t> </a:t>
+              <a:t>Set up DB for storing run information </a:t>
             </a:r>
             <a:r>
               <a:rPr lang="en-US" dirty="0" smtClean="0"/>

--- a/documents/second_presentation.pptx
+++ b/documents/second_presentation.pptx
@@ -6221,15 +6221,7 @@
             </a:r>
             <a:r>
               <a:rPr lang="en-US" dirty="0" smtClean="0"/>
-              <a:t>have a reasonable process for agents in different regions. Secondly, </a:t>
-            </a:r>
-            <a:r>
-              <a:rPr lang="en-US" dirty="0" smtClean="0"/>
-              <a:t>we need to improve our velocity. </a:t>
-            </a:r>
-            <a:r>
-              <a:rPr lang="en-US" dirty="0" smtClean="0"/>
-              <a:t>Thirdly, </a:t>
+              <a:t>have a reasonable process for agents in different regions. Secondly, we need to improve our velocity. Thirdly, </a:t>
             </a:r>
             <a:r>
               <a:rPr lang="en-US" dirty="0"/>
@@ -6275,11 +6267,7 @@
             </a:r>
             <a:r>
               <a:rPr lang="en-US" altLang="zh-CN" dirty="0" smtClean="0"/>
-              <a:t>Documents. </a:t>
-            </a:r>
-            <a:r>
-              <a:rPr lang="en-US" altLang="zh-CN" dirty="0" smtClean="0"/>
-              <a:t>Firstly, divide </a:t>
+              <a:t>Documents. Firstly, divide </a:t>
             </a:r>
             <a:r>
               <a:rPr lang="en-US" altLang="zh-CN" dirty="0"/>
@@ -6295,11 +6283,7 @@
             </a:r>
             <a:r>
               <a:rPr lang="en-US" altLang="zh-CN" dirty="0" smtClean="0"/>
-              <a:t>schedule. </a:t>
-            </a:r>
-            <a:r>
-              <a:rPr lang="en-US" altLang="zh-CN" dirty="0" smtClean="0"/>
-              <a:t>Secondly, don</a:t>
+              <a:t>schedule. Secondly, don</a:t>
             </a:r>
             <a:r>
               <a:rPr lang="mr-IN" altLang="zh-CN" dirty="0" smtClean="0"/>
@@ -6307,19 +6291,7 @@
             </a:r>
             <a:r>
               <a:rPr lang="en-US" altLang="zh-CN" dirty="0" smtClean="0"/>
-              <a:t>t forget to update the sprint tasks table to track our progress. Thirdly, think about </a:t>
-            </a:r>
-            <a:r>
-              <a:rPr lang="en-US" altLang="zh-CN" dirty="0" smtClean="0"/>
-              <a:t>what kind of test </a:t>
-            </a:r>
-            <a:r>
-              <a:rPr lang="en-US" altLang="zh-CN" dirty="0" smtClean="0"/>
-              <a:t>cases </a:t>
-            </a:r>
-            <a:r>
-              <a:rPr lang="en-US" altLang="zh-CN" dirty="0" smtClean="0"/>
-              <a:t>is necessary before writing the test case.</a:t>
+              <a:t>t forget to update the sprint tasks table to track our progress. Thirdly, think about what kind of test cases is necessary before writing the test case.</a:t>
             </a:r>
             <a:endParaRPr lang="en-US" altLang="zh-CN" dirty="0"/>
           </a:p>
@@ -6453,13 +6425,8 @@
           <a:p>
             <a:r>
               <a:rPr lang="en-US" dirty="0" smtClean="0"/>
-              <a:t>To improve the equal </a:t>
-            </a:r>
-            <a:r>
-              <a:rPr lang="en-US" dirty="0" smtClean="0"/>
-              <a:t>participation</a:t>
-            </a:r>
-            <a:endParaRPr lang="en-US" dirty="0" smtClean="0"/>
+              <a:t>To improve the equal participation</a:t>
+            </a:r>
           </a:p>
           <a:p>
             <a:r>
@@ -6512,23 +6479,11 @@
           <a:p>
             <a:r>
               <a:rPr lang="en-US" dirty="0" smtClean="0"/>
-              <a:t>To </a:t>
-            </a:r>
-            <a:r>
-              <a:rPr lang="en-US" dirty="0" smtClean="0"/>
-              <a:t>design </a:t>
+              <a:t>To design </a:t>
             </a:r>
             <a:r>
               <a:rPr lang="en-US" altLang="zh-CN" dirty="0" smtClean="0"/>
-              <a:t>effective test </a:t>
-            </a:r>
-            <a:r>
-              <a:rPr lang="en-US" altLang="zh-CN" dirty="0" smtClean="0"/>
-              <a:t>cases, </a:t>
-            </a:r>
-            <a:r>
-              <a:rPr lang="en-US" altLang="zh-CN" dirty="0" smtClean="0"/>
-              <a:t>so that we can valid the </a:t>
+              <a:t>effective test cases, so that we can valid the </a:t>
             </a:r>
             <a:r>
               <a:rPr lang="en-US" altLang="zh-CN" dirty="0"/>
@@ -6820,7 +6775,15 @@
           <a:p>
             <a:r>
               <a:rPr lang="en-US" dirty="0"/>
-              <a:t>Develop GUI to show the node part of the graphical view </a:t>
+              <a:t>Develop GUI to show the </a:t>
+            </a:r>
+            <a:r>
+              <a:rPr lang="en-US" dirty="0" smtClean="0"/>
+              <a:t>graphical </a:t>
+            </a:r>
+            <a:r>
+              <a:rPr lang="en-US" dirty="0"/>
+              <a:t>view </a:t>
             </a:r>
             <a:r>
               <a:rPr lang="en-US" dirty="0" smtClean="0"/>
@@ -6834,25 +6797,7 @@
               <a:rPr lang="en-US" dirty="0" smtClean="0"/>
               <a:t>)</a:t>
             </a:r>
-          </a:p>
-          <a:p>
-            <a:r>
-              <a:rPr lang="en-US" dirty="0"/>
-              <a:t>Develop GUI to show the edge part of graphical view </a:t>
-            </a:r>
-            <a:r>
-              <a:rPr lang="en-US" dirty="0" smtClean="0"/>
-              <a:t>(</a:t>
-            </a:r>
-            <a:r>
-              <a:rPr lang="en-US" dirty="0" err="1" smtClean="0"/>
-              <a:t>chaohui</a:t>
-            </a:r>
-            <a:r>
-              <a:rPr lang="en-US" dirty="0" smtClean="0"/>
-              <a:t>)</a:t>
-            </a:r>
-            <a:endParaRPr lang="en-US" dirty="0"/>
+            <a:endParaRPr lang="en-US" dirty="0" smtClean="0"/>
           </a:p>
         </p:txBody>
       </p:sp>
@@ -6976,25 +6921,7 @@
               <a:rPr lang="en-US" dirty="0" smtClean="0"/>
               <a:t>)</a:t>
             </a:r>
-          </a:p>
-          <a:p>
-            <a:r>
-              <a:rPr lang="en-US" dirty="0"/>
-              <a:t>Develop GUI to show the block view according the configuration file </a:t>
-            </a:r>
-            <a:r>
-              <a:rPr lang="en-US" dirty="0" smtClean="0"/>
-              <a:t>(</a:t>
-            </a:r>
-            <a:r>
-              <a:rPr lang="en-US" dirty="0"/>
-              <a:t>Sheng Zhang </a:t>
-            </a:r>
-            <a:r>
-              <a:rPr lang="en-US" dirty="0" smtClean="0"/>
-              <a:t>)</a:t>
-            </a:r>
-            <a:endParaRPr lang="en-US" dirty="0"/>
+            <a:endParaRPr lang="en-US" dirty="0" smtClean="0"/>
           </a:p>
         </p:txBody>
       </p:sp>
@@ -7074,7 +7001,7 @@
         </p:spPr>
         <p:txBody>
           <a:bodyPr>
-            <a:normAutofit fontScale="92500" lnSpcReduction="10000"/>
+            <a:normAutofit/>
           </a:bodyPr>
           <a:lstStyle/>
           <a:p>
@@ -7110,45 +7037,18 @@
             </a:r>
             <a:r>
               <a:rPr lang="en-US" dirty="0" smtClean="0"/>
-              <a:t>Zhang)</a:t>
-            </a:r>
-          </a:p>
-          <a:p>
-            <a:r>
-              <a:rPr lang="en-US" dirty="0"/>
-              <a:t>Run the algorithm step by step </a:t>
+              <a:t>Zhang</a:t>
             </a:r>
             <a:r>
               <a:rPr lang="en-US" dirty="0" smtClean="0"/>
-              <a:t>(Sheng Zhang)</a:t>
-            </a:r>
-          </a:p>
-          <a:p>
-            <a:r>
-              <a:rPr lang="en-US" dirty="0"/>
-              <a:t>Run the algorithm for a fixed number of step </a:t>
-            </a:r>
+              <a:t>)</a:t>
+            </a:r>
+            <a:endParaRPr lang="en-US" dirty="0" smtClean="0"/>
+          </a:p>
+          <a:p>
             <a:r>
               <a:rPr lang="en-US" dirty="0" smtClean="0"/>
-              <a:t>(</a:t>
-            </a:r>
-            <a:r>
-              <a:rPr lang="en-US" dirty="0"/>
-              <a:t>Sheng </a:t>
-            </a:r>
-            <a:r>
-              <a:rPr lang="en-US" dirty="0" smtClean="0"/>
-              <a:t>Zhang)</a:t>
-            </a:r>
-          </a:p>
-          <a:p>
-            <a:r>
-              <a:rPr lang="en-US" dirty="0"/>
-              <a:t>Develop GUI to show the status of each step execution of the algorithm </a:t>
-            </a:r>
-            <a:r>
-              <a:rPr lang="en-US" dirty="0" smtClean="0"/>
-              <a:t>(</a:t>
+              <a:t>Develop GUI to show the status of each step execution of the algorithm (</a:t>
             </a:r>
             <a:r>
               <a:rPr lang="en-US" dirty="0" err="1" smtClean="0"/>
@@ -7161,12 +7061,8 @@
           </a:p>
           <a:p>
             <a:r>
-              <a:rPr lang="en-US" dirty="0"/>
-              <a:t>Develop the GUI portion of block view to show the status of a fixed steps execution of the algorithm </a:t>
-            </a:r>
-            <a:r>
               <a:rPr lang="en-US" dirty="0" smtClean="0"/>
-              <a:t>(</a:t>
+              <a:t>Develop the GUI portion of block view to show the status of a fixed steps execution of the algorithm (</a:t>
             </a:r>
             <a:r>
               <a:rPr lang="en-US" dirty="0" err="1" smtClean="0"/>
@@ -7179,8 +7075,12 @@
           </a:p>
           <a:p>
             <a:r>
+              <a:rPr lang="en-US" dirty="0" smtClean="0"/>
+              <a:t>Develop </a:t>
+            </a:r>
+            <a:r>
               <a:rPr lang="en-US" dirty="0"/>
-              <a:t>Develop the GUI portion of block view provide options for user to choose run the algorithm step by step or execute the algorithm for a fixed number of times/steps </a:t>
+              <a:t>the GUI portion of block view provide options for user to choose run the algorithm step by step or execute the algorithm for a fixed number of times/steps </a:t>
             </a:r>
             <a:r>
               <a:rPr lang="en-US" dirty="0" smtClean="0"/>

--- a/documents/second_presentation.pptx
+++ b/documents/second_presentation.pptx
@@ -12,7 +12,6 @@
     <p:sldId id="260" r:id="rId6"/>
     <p:sldId id="261" r:id="rId7"/>
     <p:sldId id="262" r:id="rId8"/>
-    <p:sldId id="263" r:id="rId9"/>
   </p:sldIdLst>
   <p:sldSz cx="12192000" cy="6858000"/>
   <p:notesSz cx="6858000" cy="9144000"/>
@@ -7043,12 +7042,30 @@
               <a:rPr lang="en-US" dirty="0" smtClean="0"/>
               <a:t>)</a:t>
             </a:r>
+          </a:p>
+          <a:p>
+            <a:r>
+              <a:rPr lang="en-US" dirty="0"/>
+              <a:t>Develop the GUI portion of block view provide options for user to choose run the algorithm step by step or execute the algorithm for a fixed number of times/steps (</a:t>
+            </a:r>
+            <a:r>
+              <a:rPr lang="en-US" dirty="0" err="1"/>
+              <a:t>Yifan</a:t>
+            </a:r>
+            <a:r>
+              <a:rPr lang="en-US" dirty="0"/>
+              <a:t> </a:t>
+            </a:r>
+            <a:r>
+              <a:rPr lang="en-US" dirty="0" smtClean="0"/>
+              <a:t>)</a:t>
+            </a:r>
             <a:endParaRPr lang="en-US" dirty="0" smtClean="0"/>
           </a:p>
           <a:p>
             <a:r>
               <a:rPr lang="en-US" dirty="0" smtClean="0"/>
-              <a:t>Develop GUI to show the status of each step execution of the algorithm (</a:t>
+              <a:t>Show the execution of the algorithm on block view (</a:t>
             </a:r>
             <a:r>
               <a:rPr lang="en-US" dirty="0" err="1" smtClean="0"/>
@@ -7061,44 +7078,36 @@
           </a:p>
           <a:p>
             <a:r>
-              <a:rPr lang="en-US" dirty="0" smtClean="0"/>
-              <a:t>Develop the GUI portion of block view to show the status of a fixed steps execution of the algorithm (</a:t>
-            </a:r>
-            <a:r>
-              <a:rPr lang="en-US" dirty="0" err="1" smtClean="0"/>
-              <a:t>Yifan</a:t>
+              <a:rPr lang="en-US" dirty="0"/>
+              <a:t>Show the execution of the algorithm on Graphical view (</a:t>
+            </a:r>
+            <a:r>
+              <a:rPr lang="en-US" dirty="0" err="1"/>
+              <a:t>Chaohui</a:t>
+            </a:r>
+            <a:r>
+              <a:rPr lang="en-US" dirty="0"/>
+              <a:t>)</a:t>
+            </a:r>
+          </a:p>
+          <a:p>
+            <a:r>
+              <a:rPr lang="en-US" dirty="0"/>
+              <a:t>Set up DB for storing run information (</a:t>
+            </a:r>
+            <a:r>
+              <a:rPr lang="en-US" dirty="0" err="1"/>
+              <a:t>Chaohui</a:t>
+            </a:r>
+            <a:r>
+              <a:rPr lang="en-US" dirty="0"/>
+              <a:t> </a:t>
             </a:r>
             <a:r>
               <a:rPr lang="en-US" dirty="0" smtClean="0"/>
               <a:t>)</a:t>
             </a:r>
-          </a:p>
-          <a:p>
-            <a:r>
-              <a:rPr lang="en-US" dirty="0" smtClean="0"/>
-              <a:t>Develop </a:t>
-            </a:r>
-            <a:r>
-              <a:rPr lang="en-US" dirty="0"/>
-              <a:t>the GUI portion of block view provide options for user to choose run the algorithm step by step or execute the algorithm for a fixed number of times/steps </a:t>
-            </a:r>
-            <a:r>
-              <a:rPr lang="en-US" dirty="0" smtClean="0"/>
-              <a:t>(</a:t>
-            </a:r>
-            <a:r>
-              <a:rPr lang="en-US" dirty="0" err="1"/>
-              <a:t>Yifan</a:t>
-            </a:r>
-            <a:r>
-              <a:rPr lang="en-US" dirty="0"/>
-              <a:t> </a:t>
-            </a:r>
-            <a:r>
-              <a:rPr lang="en-US" dirty="0" smtClean="0"/>
-              <a:t>)</a:t>
-            </a:r>
-            <a:endParaRPr lang="en-US" dirty="0"/>
+            <a:endParaRPr lang="en-US" dirty="0" smtClean="0"/>
           </a:p>
         </p:txBody>
       </p:sp>
@@ -7106,142 +7115,6 @@
     <p:extLst>
       <p:ext uri="{BB962C8B-B14F-4D97-AF65-F5344CB8AC3E}">
         <p14:creationId xmlns:p14="http://schemas.microsoft.com/office/powerpoint/2010/main" val="673434130"/>
-      </p:ext>
-    </p:extLst>
-  </p:cSld>
-  <p:clrMapOvr>
-    <a:masterClrMapping/>
-  </p:clrMapOvr>
-</p:sld>
-</file>
-
-<file path=ppt/slides/slide8.xml><?xml version="1.0" encoding="utf-8"?>
-<p:sld xmlns:a="http://schemas.openxmlformats.org/drawingml/2006/main" xmlns:r="http://schemas.openxmlformats.org/officeDocument/2006/relationships" xmlns:p="http://schemas.openxmlformats.org/presentationml/2006/main">
-  <p:cSld>
-    <p:spTree>
-      <p:nvGrpSpPr>
-        <p:cNvPr id="1" name=""/>
-        <p:cNvGrpSpPr/>
-        <p:nvPr/>
-      </p:nvGrpSpPr>
-      <p:grpSpPr>
-        <a:xfrm>
-          <a:off x="0" y="0"/>
-          <a:ext cx="0" cy="0"/>
-          <a:chOff x="0" y="0"/>
-          <a:chExt cx="0" cy="0"/>
-        </a:xfrm>
-      </p:grpSpPr>
-      <p:sp>
-        <p:nvSpPr>
-          <p:cNvPr id="2" name="Title 1"/>
-          <p:cNvSpPr>
-            <a:spLocks noGrp="1"/>
-          </p:cNvSpPr>
-          <p:nvPr>
-            <p:ph type="title"/>
-          </p:nvPr>
-        </p:nvSpPr>
-        <p:spPr/>
-        <p:txBody>
-          <a:bodyPr/>
-          <a:lstStyle/>
-          <a:p>
-            <a:r>
-              <a:rPr lang="en-US" dirty="0" smtClean="0"/>
-              <a:t>Sprint Tasks</a:t>
-            </a:r>
-            <a:endParaRPr lang="en-US" dirty="0"/>
-          </a:p>
-        </p:txBody>
-      </p:sp>
-      <p:sp>
-        <p:nvSpPr>
-          <p:cNvPr id="3" name="Content Placeholder 2"/>
-          <p:cNvSpPr>
-            <a:spLocks noGrp="1"/>
-          </p:cNvSpPr>
-          <p:nvPr>
-            <p:ph idx="1"/>
-          </p:nvPr>
-        </p:nvSpPr>
-        <p:spPr/>
-        <p:txBody>
-          <a:bodyPr/>
-          <a:lstStyle/>
-          <a:p>
-            <a:r>
-              <a:rPr lang="en-US" dirty="0"/>
-              <a:t>Develop the GUI portion of graphical view to show the status of a fixed steps execution of the algorithm </a:t>
-            </a:r>
-            <a:r>
-              <a:rPr lang="en-US" dirty="0" smtClean="0"/>
-              <a:t>(</a:t>
-            </a:r>
-            <a:r>
-              <a:rPr lang="en-US" dirty="0" err="1"/>
-              <a:t>Chaohui</a:t>
-            </a:r>
-            <a:r>
-              <a:rPr lang="en-US" dirty="0"/>
-              <a:t> </a:t>
-            </a:r>
-            <a:r>
-              <a:rPr lang="en-US" dirty="0" smtClean="0"/>
-              <a:t>)</a:t>
-            </a:r>
-          </a:p>
-          <a:p>
-            <a:r>
-              <a:rPr lang="en-US" dirty="0"/>
-              <a:t>Develop the GUI portion of graphical view provide options for user to choose run the algorithm step by step or execute the algorithm for a fixed number of times/steps </a:t>
-            </a:r>
-            <a:r>
-              <a:rPr lang="en-US" dirty="0" smtClean="0"/>
-              <a:t>(</a:t>
-            </a:r>
-            <a:r>
-              <a:rPr lang="en-US" dirty="0" err="1"/>
-              <a:t>Chaohui</a:t>
-            </a:r>
-            <a:r>
-              <a:rPr lang="en-US" dirty="0"/>
-              <a:t> </a:t>
-            </a:r>
-            <a:r>
-              <a:rPr lang="en-US" dirty="0" smtClean="0"/>
-              <a:t>)</a:t>
-            </a:r>
-          </a:p>
-          <a:p>
-            <a:r>
-              <a:rPr lang="en-US" dirty="0"/>
-              <a:t>Set up DB for storing run information </a:t>
-            </a:r>
-            <a:r>
-              <a:rPr lang="en-US" dirty="0" smtClean="0"/>
-              <a:t>(</a:t>
-            </a:r>
-            <a:r>
-              <a:rPr lang="en-US" dirty="0" err="1"/>
-              <a:t>Chaohui</a:t>
-            </a:r>
-            <a:r>
-              <a:rPr lang="en-US" dirty="0"/>
-              <a:t> </a:t>
-            </a:r>
-            <a:r>
-              <a:rPr lang="en-US" dirty="0" smtClean="0"/>
-              <a:t>)</a:t>
-            </a:r>
-            <a:endParaRPr lang="en-US" dirty="0"/>
-          </a:p>
-        </p:txBody>
-      </p:sp>
-    </p:spTree>
-    <p:extLst>
-      <p:ext uri="{BB962C8B-B14F-4D97-AF65-F5344CB8AC3E}">
-        <p14:creationId xmlns:p14="http://schemas.microsoft.com/office/powerpoint/2010/main" val="496167395"/>
       </p:ext>
     </p:extLst>
   </p:cSld>

--- a/documents/second_presentation.pptx
+++ b/documents/second_presentation.pptx
@@ -6290,7 +6290,15 @@
             </a:r>
             <a:r>
               <a:rPr lang="en-US" altLang="zh-CN" dirty="0" smtClean="0"/>
-              <a:t>t forget to update the sprint tasks table to track our progress. Thirdly, think about what kind of test cases is necessary before writing the test case.</a:t>
+              <a:t>t forget to update the sprint tasks table to track our progress. Thirdly, think about what kind of test </a:t>
+            </a:r>
+            <a:r>
+              <a:rPr lang="en-US" altLang="zh-CN" dirty="0" smtClean="0"/>
+              <a:t>case </a:t>
+            </a:r>
+            <a:r>
+              <a:rPr lang="en-US" altLang="zh-CN" dirty="0" smtClean="0"/>
+              <a:t>is necessary before writing the test case.</a:t>
             </a:r>
             <a:endParaRPr lang="en-US" altLang="zh-CN" dirty="0"/>
           </a:p>
@@ -6796,7 +6804,6 @@
               <a:rPr lang="en-US" dirty="0" smtClean="0"/>
               <a:t>)</a:t>
             </a:r>
-            <a:endParaRPr lang="en-US" dirty="0" smtClean="0"/>
           </a:p>
         </p:txBody>
       </p:sp>
@@ -6920,7 +6927,6 @@
               <a:rPr lang="en-US" dirty="0" smtClean="0"/>
               <a:t>)</a:t>
             </a:r>
-            <a:endParaRPr lang="en-US" dirty="0" smtClean="0"/>
           </a:p>
         </p:txBody>
       </p:sp>
@@ -7036,7 +7042,21 @@
             </a:r>
             <a:r>
               <a:rPr lang="en-US" dirty="0" smtClean="0"/>
-              <a:t>Zhang</a:t>
+              <a:t>Zhang)</a:t>
+            </a:r>
+          </a:p>
+          <a:p>
+            <a:r>
+              <a:rPr lang="en-US" dirty="0"/>
+              <a:t>Develop the GUI portion of block view provide options for user to choose run the algorithm step by step or execute the algorithm for a fixed number of times/steps (</a:t>
+            </a:r>
+            <a:r>
+              <a:rPr lang="en-US" dirty="0" err="1"/>
+              <a:t>Yifan</a:t>
+            </a:r>
+            <a:r>
+              <a:rPr lang="en-US" dirty="0"/>
+              <a:t> </a:t>
             </a:r>
             <a:r>
               <a:rPr lang="en-US" dirty="0" smtClean="0"/>
@@ -7045,12 +7065,40 @@
           </a:p>
           <a:p>
             <a:r>
+              <a:rPr lang="en-US" dirty="0" smtClean="0"/>
+              <a:t>Show the execution of the algorithm on block view (</a:t>
+            </a:r>
+            <a:r>
+              <a:rPr lang="en-US" dirty="0" err="1" smtClean="0"/>
+              <a:t>Yifan</a:t>
+            </a:r>
+            <a:r>
+              <a:rPr lang="en-US" dirty="0" smtClean="0"/>
+              <a:t>)</a:t>
+            </a:r>
+          </a:p>
+          <a:p>
+            <a:r>
               <a:rPr lang="en-US" dirty="0"/>
-              <a:t>Develop the GUI portion of block view provide options for user to choose run the algorithm step by step or execute the algorithm for a fixed number of times/steps (</a:t>
+              <a:t>Show the execution of the algorithm on Graphical view (</a:t>
             </a:r>
             <a:r>
               <a:rPr lang="en-US" dirty="0" err="1"/>
-              <a:t>Yifan</a:t>
+              <a:t>Chaohui</a:t>
+            </a:r>
+            <a:r>
+              <a:rPr lang="en-US" dirty="0"/>
+              <a:t>)</a:t>
+            </a:r>
+          </a:p>
+          <a:p>
+            <a:r>
+              <a:rPr lang="en-US" dirty="0"/>
+              <a:t>Set up DB for storing run information (</a:t>
+            </a:r>
+            <a:r>
+              <a:rPr lang="en-US" dirty="0" err="1"/>
+              <a:t>Chaohui</a:t>
             </a:r>
             <a:r>
               <a:rPr lang="en-US" dirty="0"/>
@@ -7060,54 +7108,6 @@
               <a:rPr lang="en-US" dirty="0" smtClean="0"/>
               <a:t>)</a:t>
             </a:r>
-            <a:endParaRPr lang="en-US" dirty="0" smtClean="0"/>
-          </a:p>
-          <a:p>
-            <a:r>
-              <a:rPr lang="en-US" dirty="0" smtClean="0"/>
-              <a:t>Show the execution of the algorithm on block view (</a:t>
-            </a:r>
-            <a:r>
-              <a:rPr lang="en-US" dirty="0" err="1" smtClean="0"/>
-              <a:t>Yifan</a:t>
-            </a:r>
-            <a:r>
-              <a:rPr lang="en-US" dirty="0" smtClean="0"/>
-              <a:t>)</a:t>
-            </a:r>
-          </a:p>
-          <a:p>
-            <a:r>
-              <a:rPr lang="en-US" dirty="0"/>
-              <a:t>Show the execution of the algorithm on Graphical view (</a:t>
-            </a:r>
-            <a:r>
-              <a:rPr lang="en-US" dirty="0" err="1"/>
-              <a:t>Chaohui</a:t>
-            </a:r>
-            <a:r>
-              <a:rPr lang="en-US" dirty="0"/>
-              <a:t>)</a:t>
-            </a:r>
-          </a:p>
-          <a:p>
-            <a:r>
-              <a:rPr lang="en-US" dirty="0"/>
-              <a:t>Set up DB for storing run information (</a:t>
-            </a:r>
-            <a:r>
-              <a:rPr lang="en-US" dirty="0" err="1"/>
-              <a:t>Chaohui</a:t>
-            </a:r>
-            <a:r>
-              <a:rPr lang="en-US" dirty="0"/>
-              <a:t> </a:t>
-            </a:r>
-            <a:r>
-              <a:rPr lang="en-US" dirty="0" smtClean="0"/>
-              <a:t>)</a:t>
-            </a:r>
-            <a:endParaRPr lang="en-US" dirty="0" smtClean="0"/>
           </a:p>
         </p:txBody>
       </p:sp>

--- a/documents/second_presentation.pptx
+++ b/documents/second_presentation.pptx
@@ -4,6 +4,9 @@
   <p:sldMasterIdLst>
     <p:sldMasterId id="2147483648" r:id="rId1"/>
   </p:sldMasterIdLst>
+  <p:notesMasterIdLst>
+    <p:notesMasterId r:id="rId9"/>
+  </p:notesMasterIdLst>
   <p:sldIdLst>
     <p:sldId id="256" r:id="rId2"/>
     <p:sldId id="257" r:id="rId3"/>
@@ -118,6 +121,356 @@
 </p:presentation>
 </file>
 
+<file path=ppt/notesMasters/notesMaster1.xml><?xml version="1.0" encoding="utf-8"?>
+<p:notesMaster xmlns:a="http://schemas.openxmlformats.org/drawingml/2006/main" xmlns:r="http://schemas.openxmlformats.org/officeDocument/2006/relationships" xmlns:p="http://schemas.openxmlformats.org/presentationml/2006/main">
+  <p:cSld>
+    <p:bg>
+      <p:bgRef idx="1001">
+        <a:schemeClr val="bg1"/>
+      </p:bgRef>
+    </p:bg>
+    <p:spTree>
+      <p:nvGrpSpPr>
+        <p:cNvPr id="1" name=""/>
+        <p:cNvGrpSpPr/>
+        <p:nvPr/>
+      </p:nvGrpSpPr>
+      <p:grpSpPr>
+        <a:xfrm>
+          <a:off x="0" y="0"/>
+          <a:ext cx="0" cy="0"/>
+          <a:chOff x="0" y="0"/>
+          <a:chExt cx="0" cy="0"/>
+        </a:xfrm>
+      </p:grpSpPr>
+      <p:sp>
+        <p:nvSpPr>
+          <p:cNvPr id="2" name="页眉占位符 1"/>
+          <p:cNvSpPr>
+            <a:spLocks noGrp="1"/>
+          </p:cNvSpPr>
+          <p:nvPr>
+            <p:ph type="hdr" sz="quarter"/>
+          </p:nvPr>
+        </p:nvSpPr>
+        <p:spPr>
+          <a:xfrm>
+            <a:off x="0" y="0"/>
+            <a:ext cx="2971800" cy="458788"/>
+          </a:xfrm>
+          <a:prstGeom prst="rect">
+            <a:avLst/>
+          </a:prstGeom>
+        </p:spPr>
+        <p:txBody>
+          <a:bodyPr vert="horz" lIns="91440" tIns="45720" rIns="91440" bIns="45720" rtlCol="0"/>
+          <a:lstStyle>
+            <a:lvl1pPr algn="l">
+              <a:defRPr sz="1200"/>
+            </a:lvl1pPr>
+          </a:lstStyle>
+          <a:p>
+            <a:endParaRPr kumimoji="1" lang="zh-CN" altLang="en-US"/>
+          </a:p>
+        </p:txBody>
+      </p:sp>
+      <p:sp>
+        <p:nvSpPr>
+          <p:cNvPr id="3" name="日期占位符 2"/>
+          <p:cNvSpPr>
+            <a:spLocks noGrp="1"/>
+          </p:cNvSpPr>
+          <p:nvPr>
+            <p:ph type="dt" idx="1"/>
+          </p:nvPr>
+        </p:nvSpPr>
+        <p:spPr>
+          <a:xfrm>
+            <a:off x="3884613" y="0"/>
+            <a:ext cx="2971800" cy="458788"/>
+          </a:xfrm>
+          <a:prstGeom prst="rect">
+            <a:avLst/>
+          </a:prstGeom>
+        </p:spPr>
+        <p:txBody>
+          <a:bodyPr vert="horz" lIns="91440" tIns="45720" rIns="91440" bIns="45720" rtlCol="0"/>
+          <a:lstStyle>
+            <a:lvl1pPr algn="r">
+              <a:defRPr sz="1200"/>
+            </a:lvl1pPr>
+          </a:lstStyle>
+          <a:p>
+            <a:fld id="{0F088623-6D43-554C-89A1-EF9C5BE8F7A4}" type="datetimeFigureOut">
+              <a:rPr kumimoji="1" lang="zh-CN" altLang="en-US" smtClean="0"/>
+              <a:t>17/2/14</a:t>
+            </a:fld>
+            <a:endParaRPr kumimoji="1" lang="zh-CN" altLang="en-US"/>
+          </a:p>
+        </p:txBody>
+      </p:sp>
+      <p:sp>
+        <p:nvSpPr>
+          <p:cNvPr id="4" name="幻灯片图像占位符 3"/>
+          <p:cNvSpPr>
+            <a:spLocks noGrp="1" noRot="1" noChangeAspect="1"/>
+          </p:cNvSpPr>
+          <p:nvPr>
+            <p:ph type="sldImg" idx="2"/>
+          </p:nvPr>
+        </p:nvSpPr>
+        <p:spPr>
+          <a:xfrm>
+            <a:off x="685800" y="1143000"/>
+            <a:ext cx="5486400" cy="3086100"/>
+          </a:xfrm>
+          <a:prstGeom prst="rect">
+            <a:avLst/>
+          </a:prstGeom>
+          <a:noFill/>
+          <a:ln w="12700">
+            <a:solidFill>
+              <a:prstClr val="black"/>
+            </a:solidFill>
+          </a:ln>
+        </p:spPr>
+        <p:txBody>
+          <a:bodyPr vert="horz" lIns="91440" tIns="45720" rIns="91440" bIns="45720" rtlCol="0" anchor="ctr"/>
+          <a:lstStyle/>
+          <a:p>
+            <a:endParaRPr lang="zh-CN" altLang="en-US"/>
+          </a:p>
+        </p:txBody>
+      </p:sp>
+      <p:sp>
+        <p:nvSpPr>
+          <p:cNvPr id="5" name="备注占位符 4"/>
+          <p:cNvSpPr>
+            <a:spLocks noGrp="1"/>
+          </p:cNvSpPr>
+          <p:nvPr>
+            <p:ph type="body" sz="quarter" idx="3"/>
+          </p:nvPr>
+        </p:nvSpPr>
+        <p:spPr>
+          <a:xfrm>
+            <a:off x="685800" y="4400550"/>
+            <a:ext cx="5486400" cy="3600450"/>
+          </a:xfrm>
+          <a:prstGeom prst="rect">
+            <a:avLst/>
+          </a:prstGeom>
+        </p:spPr>
+        <p:txBody>
+          <a:bodyPr vert="horz" lIns="91440" tIns="45720" rIns="91440" bIns="45720" rtlCol="0"/>
+          <a:lstStyle/>
+          <a:p>
+            <a:pPr lvl="0"/>
+            <a:r>
+              <a:rPr kumimoji="1" lang="zh-CN" altLang="en-US" smtClean="0"/>
+              <a:t>单击此处编辑母版文本样式</a:t>
+            </a:r>
+          </a:p>
+          <a:p>
+            <a:pPr lvl="1"/>
+            <a:r>
+              <a:rPr kumimoji="1" lang="zh-CN" altLang="en-US" smtClean="0"/>
+              <a:t>二级</a:t>
+            </a:r>
+          </a:p>
+          <a:p>
+            <a:pPr lvl="2"/>
+            <a:r>
+              <a:rPr kumimoji="1" lang="zh-CN" altLang="en-US" smtClean="0"/>
+              <a:t>三级</a:t>
+            </a:r>
+          </a:p>
+          <a:p>
+            <a:pPr lvl="3"/>
+            <a:r>
+              <a:rPr kumimoji="1" lang="zh-CN" altLang="en-US" smtClean="0"/>
+              <a:t>四级</a:t>
+            </a:r>
+          </a:p>
+          <a:p>
+            <a:pPr lvl="4"/>
+            <a:r>
+              <a:rPr kumimoji="1" lang="zh-CN" altLang="en-US" smtClean="0"/>
+              <a:t>五级</a:t>
+            </a:r>
+            <a:endParaRPr kumimoji="1" lang="zh-CN" altLang="en-US"/>
+          </a:p>
+        </p:txBody>
+      </p:sp>
+      <p:sp>
+        <p:nvSpPr>
+          <p:cNvPr id="6" name="页脚占位符 5"/>
+          <p:cNvSpPr>
+            <a:spLocks noGrp="1"/>
+          </p:cNvSpPr>
+          <p:nvPr>
+            <p:ph type="ftr" sz="quarter" idx="4"/>
+          </p:nvPr>
+        </p:nvSpPr>
+        <p:spPr>
+          <a:xfrm>
+            <a:off x="0" y="8685213"/>
+            <a:ext cx="2971800" cy="458787"/>
+          </a:xfrm>
+          <a:prstGeom prst="rect">
+            <a:avLst/>
+          </a:prstGeom>
+        </p:spPr>
+        <p:txBody>
+          <a:bodyPr vert="horz" lIns="91440" tIns="45720" rIns="91440" bIns="45720" rtlCol="0" anchor="b"/>
+          <a:lstStyle>
+            <a:lvl1pPr algn="l">
+              <a:defRPr sz="1200"/>
+            </a:lvl1pPr>
+          </a:lstStyle>
+          <a:p>
+            <a:endParaRPr kumimoji="1" lang="zh-CN" altLang="en-US"/>
+          </a:p>
+        </p:txBody>
+      </p:sp>
+      <p:sp>
+        <p:nvSpPr>
+          <p:cNvPr id="7" name="幻灯片编号占位符 6"/>
+          <p:cNvSpPr>
+            <a:spLocks noGrp="1"/>
+          </p:cNvSpPr>
+          <p:nvPr>
+            <p:ph type="sldNum" sz="quarter" idx="5"/>
+          </p:nvPr>
+        </p:nvSpPr>
+        <p:spPr>
+          <a:xfrm>
+            <a:off x="3884613" y="8685213"/>
+            <a:ext cx="2971800" cy="458787"/>
+          </a:xfrm>
+          <a:prstGeom prst="rect">
+            <a:avLst/>
+          </a:prstGeom>
+        </p:spPr>
+        <p:txBody>
+          <a:bodyPr vert="horz" lIns="91440" tIns="45720" rIns="91440" bIns="45720" rtlCol="0" anchor="b"/>
+          <a:lstStyle>
+            <a:lvl1pPr algn="r">
+              <a:defRPr sz="1200"/>
+            </a:lvl1pPr>
+          </a:lstStyle>
+          <a:p>
+            <a:fld id="{5AE075A1-A1F9-8345-A231-F2A1419725B9}" type="slidenum">
+              <a:rPr kumimoji="1" lang="zh-CN" altLang="en-US" smtClean="0"/>
+              <a:t>‹#›</a:t>
+            </a:fld>
+            <a:endParaRPr kumimoji="1" lang="zh-CN" altLang="en-US"/>
+          </a:p>
+        </p:txBody>
+      </p:sp>
+    </p:spTree>
+    <p:extLst>
+      <p:ext uri="{BB962C8B-B14F-4D97-AF65-F5344CB8AC3E}">
+        <p14:creationId xmlns:p14="http://schemas.microsoft.com/office/powerpoint/2010/main" val="689998045"/>
+      </p:ext>
+    </p:extLst>
+  </p:cSld>
+  <p:clrMap bg1="lt1" tx1="dk1" bg2="lt2" tx2="dk2" accent1="accent1" accent2="accent2" accent3="accent3" accent4="accent4" accent5="accent5" accent6="accent6" hlink="hlink" folHlink="folHlink"/>
+  <p:notesStyle>
+    <a:lvl1pPr marL="0" algn="l" defTabSz="914400" rtl="0" eaLnBrk="1" latinLnBrk="0" hangingPunct="1">
+      <a:defRPr sz="1200" kern="1200">
+        <a:solidFill>
+          <a:schemeClr val="tx1"/>
+        </a:solidFill>
+        <a:latin typeface="+mn-lt"/>
+        <a:ea typeface="+mn-ea"/>
+        <a:cs typeface="+mn-cs"/>
+      </a:defRPr>
+    </a:lvl1pPr>
+    <a:lvl2pPr marL="457200" algn="l" defTabSz="914400" rtl="0" eaLnBrk="1" latinLnBrk="0" hangingPunct="1">
+      <a:defRPr sz="1200" kern="1200">
+        <a:solidFill>
+          <a:schemeClr val="tx1"/>
+        </a:solidFill>
+        <a:latin typeface="+mn-lt"/>
+        <a:ea typeface="+mn-ea"/>
+        <a:cs typeface="+mn-cs"/>
+      </a:defRPr>
+    </a:lvl2pPr>
+    <a:lvl3pPr marL="914400" algn="l" defTabSz="914400" rtl="0" eaLnBrk="1" latinLnBrk="0" hangingPunct="1">
+      <a:defRPr sz="1200" kern="1200">
+        <a:solidFill>
+          <a:schemeClr val="tx1"/>
+        </a:solidFill>
+        <a:latin typeface="+mn-lt"/>
+        <a:ea typeface="+mn-ea"/>
+        <a:cs typeface="+mn-cs"/>
+      </a:defRPr>
+    </a:lvl3pPr>
+    <a:lvl4pPr marL="1371600" algn="l" defTabSz="914400" rtl="0" eaLnBrk="1" latinLnBrk="0" hangingPunct="1">
+      <a:defRPr sz="1200" kern="1200">
+        <a:solidFill>
+          <a:schemeClr val="tx1"/>
+        </a:solidFill>
+        <a:latin typeface="+mn-lt"/>
+        <a:ea typeface="+mn-ea"/>
+        <a:cs typeface="+mn-cs"/>
+      </a:defRPr>
+    </a:lvl4pPr>
+    <a:lvl5pPr marL="1828800" algn="l" defTabSz="914400" rtl="0" eaLnBrk="1" latinLnBrk="0" hangingPunct="1">
+      <a:defRPr sz="1200" kern="1200">
+        <a:solidFill>
+          <a:schemeClr val="tx1"/>
+        </a:solidFill>
+        <a:latin typeface="+mn-lt"/>
+        <a:ea typeface="+mn-ea"/>
+        <a:cs typeface="+mn-cs"/>
+      </a:defRPr>
+    </a:lvl5pPr>
+    <a:lvl6pPr marL="2286000" algn="l" defTabSz="914400" rtl="0" eaLnBrk="1" latinLnBrk="0" hangingPunct="1">
+      <a:defRPr sz="1200" kern="1200">
+        <a:solidFill>
+          <a:schemeClr val="tx1"/>
+        </a:solidFill>
+        <a:latin typeface="+mn-lt"/>
+        <a:ea typeface="+mn-ea"/>
+        <a:cs typeface="+mn-cs"/>
+      </a:defRPr>
+    </a:lvl6pPr>
+    <a:lvl7pPr marL="2743200" algn="l" defTabSz="914400" rtl="0" eaLnBrk="1" latinLnBrk="0" hangingPunct="1">
+      <a:defRPr sz="1200" kern="1200">
+        <a:solidFill>
+          <a:schemeClr val="tx1"/>
+        </a:solidFill>
+        <a:latin typeface="+mn-lt"/>
+        <a:ea typeface="+mn-ea"/>
+        <a:cs typeface="+mn-cs"/>
+      </a:defRPr>
+    </a:lvl7pPr>
+    <a:lvl8pPr marL="3200400" algn="l" defTabSz="914400" rtl="0" eaLnBrk="1" latinLnBrk="0" hangingPunct="1">
+      <a:defRPr sz="1200" kern="1200">
+        <a:solidFill>
+          <a:schemeClr val="tx1"/>
+        </a:solidFill>
+        <a:latin typeface="+mn-lt"/>
+        <a:ea typeface="+mn-ea"/>
+        <a:cs typeface="+mn-cs"/>
+      </a:defRPr>
+    </a:lvl8pPr>
+    <a:lvl9pPr marL="3657600" algn="l" defTabSz="914400" rtl="0" eaLnBrk="1" latinLnBrk="0" hangingPunct="1">
+      <a:defRPr sz="1200" kern="1200">
+        <a:solidFill>
+          <a:schemeClr val="tx1"/>
+        </a:solidFill>
+        <a:latin typeface="+mn-lt"/>
+        <a:ea typeface="+mn-ea"/>
+        <a:cs typeface="+mn-cs"/>
+      </a:defRPr>
+    </a:lvl9pPr>
+  </p:notesStyle>
+</p:notesMaster>
+</file>
+
 <file path=ppt/slideLayouts/slideLayout1.xml><?xml version="1.0" encoding="utf-8"?>
 <p:sldLayout xmlns:a="http://schemas.openxmlformats.org/drawingml/2006/main" xmlns:r="http://schemas.openxmlformats.org/officeDocument/2006/relationships" xmlns:p="http://schemas.openxmlformats.org/presentationml/2006/main" type="title" preserve="1">
   <p:cSld name="Title Slide">
@@ -304,7 +657,7 @@
           <a:p>
             <a:fld id="{4AAD347D-5ACD-4C99-B74B-A9C85AD731AF}" type="datetimeFigureOut">
               <a:rPr lang="en-US" dirty="0"/>
-              <a:t>2/13/17</a:t>
+              <a:t>2/14/17</a:t>
             </a:fld>
             <a:endParaRPr lang="en-US" dirty="0"/>
           </a:p>
@@ -574,7 +927,7 @@
           <a:p>
             <a:fld id="{4509A250-FF31-4206-8172-F9D3106AACB1}" type="datetimeFigureOut">
               <a:rPr lang="en-US" dirty="0"/>
-              <a:t>2/13/17</a:t>
+              <a:t>2/14/17</a:t>
             </a:fld>
             <a:endParaRPr lang="en-US" dirty="0"/>
           </a:p>
@@ -763,7 +1116,7 @@
           <a:p>
             <a:fld id="{4509A250-FF31-4206-8172-F9D3106AACB1}" type="datetimeFigureOut">
               <a:rPr lang="en-US" dirty="0"/>
-              <a:t>2/13/17</a:t>
+              <a:t>2/14/17</a:t>
             </a:fld>
             <a:endParaRPr lang="en-US" dirty="0"/>
           </a:p>
@@ -1031,7 +1384,7 @@
           <a:p>
             <a:fld id="{4509A250-FF31-4206-8172-F9D3106AACB1}" type="datetimeFigureOut">
               <a:rPr lang="en-US" dirty="0"/>
-              <a:t>2/13/17</a:t>
+              <a:t>2/14/17</a:t>
             </a:fld>
             <a:endParaRPr lang="en-US" dirty="0"/>
           </a:p>
@@ -1367,7 +1720,7 @@
           <a:p>
             <a:fld id="{4509A250-FF31-4206-8172-F9D3106AACB1}" type="datetimeFigureOut">
               <a:rPr lang="en-US" dirty="0"/>
-              <a:t>2/13/17</a:t>
+              <a:t>2/14/17</a:t>
             </a:fld>
             <a:endParaRPr lang="en-US" dirty="0"/>
           </a:p>
@@ -1985,7 +2338,7 @@
           <a:p>
             <a:fld id="{4509A250-FF31-4206-8172-F9D3106AACB1}" type="datetimeFigureOut">
               <a:rPr lang="en-US" dirty="0"/>
-              <a:t>2/13/17</a:t>
+              <a:t>2/14/17</a:t>
             </a:fld>
             <a:endParaRPr lang="en-US" dirty="0"/>
           </a:p>
@@ -2840,7 +3193,7 @@
           <a:p>
             <a:fld id="{4509A250-FF31-4206-8172-F9D3106AACB1}" type="datetimeFigureOut">
               <a:rPr lang="en-US" dirty="0"/>
-              <a:t>2/13/17</a:t>
+              <a:t>2/14/17</a:t>
             </a:fld>
             <a:endParaRPr lang="en-US" dirty="0"/>
           </a:p>
@@ -3005,7 +3358,7 @@
           <a:p>
             <a:fld id="{4509A250-FF31-4206-8172-F9D3106AACB1}" type="datetimeFigureOut">
               <a:rPr lang="en-US" dirty="0"/>
-              <a:t>2/13/17</a:t>
+              <a:t>2/14/17</a:t>
             </a:fld>
             <a:endParaRPr lang="en-US" dirty="0"/>
           </a:p>
@@ -3180,7 +3533,7 @@
           <a:p>
             <a:fld id="{4509A250-FF31-4206-8172-F9D3106AACB1}" type="datetimeFigureOut">
               <a:rPr lang="en-US" dirty="0"/>
-              <a:t>2/13/17</a:t>
+              <a:t>2/14/17</a:t>
             </a:fld>
             <a:endParaRPr lang="en-US" dirty="0"/>
           </a:p>
@@ -3345,7 +3698,7 @@
           <a:p>
             <a:fld id="{4509A250-FF31-4206-8172-F9D3106AACB1}" type="datetimeFigureOut">
               <a:rPr lang="en-US" dirty="0"/>
-              <a:t>2/13/17</a:t>
+              <a:t>2/14/17</a:t>
             </a:fld>
             <a:endParaRPr lang="en-US" dirty="0"/>
           </a:p>
@@ -3587,7 +3940,7 @@
           <a:p>
             <a:fld id="{9796027F-7875-4030-9381-8BD8C4F21935}" type="datetimeFigureOut">
               <a:rPr lang="en-US" dirty="0"/>
-              <a:t>2/13/17</a:t>
+              <a:t>2/14/17</a:t>
             </a:fld>
             <a:endParaRPr lang="en-US" dirty="0"/>
           </a:p>
@@ -3874,7 +4227,7 @@
           <a:p>
             <a:fld id="{9796027F-7875-4030-9381-8BD8C4F21935}" type="datetimeFigureOut">
               <a:rPr lang="en-US" dirty="0"/>
-              <a:t>2/13/17</a:t>
+              <a:t>2/14/17</a:t>
             </a:fld>
             <a:endParaRPr lang="en-US" dirty="0"/>
           </a:p>
@@ -4313,7 +4666,7 @@
           <a:p>
             <a:fld id="{9796027F-7875-4030-9381-8BD8C4F21935}" type="datetimeFigureOut">
               <a:rPr lang="en-US" dirty="0"/>
-              <a:t>2/13/17</a:t>
+              <a:t>2/14/17</a:t>
             </a:fld>
             <a:endParaRPr lang="en-US" dirty="0"/>
           </a:p>
@@ -4426,7 +4779,7 @@
           <a:p>
             <a:fld id="{4509A250-FF31-4206-8172-F9D3106AACB1}" type="datetimeFigureOut">
               <a:rPr lang="en-US" dirty="0"/>
-              <a:t>2/13/17</a:t>
+              <a:t>2/14/17</a:t>
             </a:fld>
             <a:endParaRPr lang="en-US" dirty="0"/>
           </a:p>
@@ -4516,7 +4869,7 @@
           <a:p>
             <a:fld id="{4509A250-FF31-4206-8172-F9D3106AACB1}" type="datetimeFigureOut">
               <a:rPr lang="en-US" dirty="0"/>
-              <a:t>2/13/17</a:t>
+              <a:t>2/14/17</a:t>
             </a:fld>
             <a:endParaRPr lang="en-US" dirty="0"/>
           </a:p>
@@ -4790,7 +5143,7 @@
           <a:p>
             <a:fld id="{4509A250-FF31-4206-8172-F9D3106AACB1}" type="datetimeFigureOut">
               <a:rPr lang="en-US" dirty="0"/>
-              <a:t>2/13/17</a:t>
+              <a:t>2/14/17</a:t>
             </a:fld>
             <a:endParaRPr lang="en-US" dirty="0"/>
           </a:p>
@@ -5060,7 +5413,7 @@
           <a:p>
             <a:fld id="{4509A250-FF31-4206-8172-F9D3106AACB1}" type="datetimeFigureOut">
               <a:rPr lang="en-US" dirty="0"/>
-              <a:t>2/13/17</a:t>
+              <a:t>2/14/17</a:t>
             </a:fld>
             <a:endParaRPr lang="en-US" dirty="0"/>
           </a:p>
@@ -5484,7 +5837,7 @@
           <a:p>
             <a:fld id="{4AAD347D-5ACD-4C99-B74B-A9C85AD731AF}" type="datetimeFigureOut">
               <a:rPr lang="en-US" dirty="0"/>
-              <a:t>2/13/17</a:t>
+              <a:t>2/14/17</a:t>
             </a:fld>
             <a:endParaRPr lang="en-US" dirty="0"/>
           </a:p>
@@ -6290,15 +6643,7 @@
             </a:r>
             <a:r>
               <a:rPr lang="en-US" altLang="zh-CN" dirty="0" smtClean="0"/>
-              <a:t>t forget to update the sprint tasks table to track our progress. Thirdly, think about what kind of test </a:t>
-            </a:r>
-            <a:r>
-              <a:rPr lang="en-US" altLang="zh-CN" dirty="0" smtClean="0"/>
-              <a:t>case </a:t>
-            </a:r>
-            <a:r>
-              <a:rPr lang="en-US" altLang="zh-CN" dirty="0" smtClean="0"/>
-              <a:t>is necessary before writing the test case.</a:t>
+              <a:t>t forget to update the sprint tasks table to track our progress. Thirdly, think about what kind of test case is necessary before writing the test case.</a:t>
             </a:r>
             <a:endParaRPr lang="en-US" altLang="zh-CN" dirty="0"/>
           </a:p>
@@ -6764,11 +7109,19 @@
             </a:r>
             <a:r>
               <a:rPr lang="en-US" dirty="0"/>
-              <a:t>code to get data from block view or configuration </a:t>
+              <a:t>GUI to show the </a:t>
             </a:r>
             <a:r>
               <a:rPr lang="en-US" dirty="0" smtClean="0"/>
-              <a:t>file(</a:t>
+              <a:t>graphical </a:t>
+            </a:r>
+            <a:r>
+              <a:rPr lang="en-US" dirty="0"/>
+              <a:t>view </a:t>
+            </a:r>
+            <a:r>
+              <a:rPr lang="en-US" dirty="0" smtClean="0"/>
+              <a:t>(</a:t>
             </a:r>
             <a:r>
               <a:rPr lang="en-US" dirty="0" err="1" smtClean="0"/>
@@ -6776,34 +7129,35 @@
             </a:r>
             <a:r>
               <a:rPr lang="en-US" dirty="0" smtClean="0"/>
-              <a:t>) </a:t>
-            </a:r>
-          </a:p>
-          <a:p>
-            <a:r>
-              <a:rPr lang="en-US" dirty="0"/>
-              <a:t>Develop GUI to show the </a:t>
-            </a:r>
-            <a:r>
-              <a:rPr lang="en-US" dirty="0" smtClean="0"/>
-              <a:t>graphical </a:t>
-            </a:r>
-            <a:r>
-              <a:rPr lang="en-US" dirty="0"/>
-              <a:t>view </a:t>
-            </a:r>
-            <a:r>
-              <a:rPr lang="en-US" dirty="0" smtClean="0"/>
+              <a:t>)</a:t>
+            </a:r>
+          </a:p>
+          <a:p>
+            <a:r>
+              <a:rPr lang="en-US" altLang="zh-CN" dirty="0"/>
+              <a:t>Develop code to show the number of agents at each </a:t>
+            </a:r>
+            <a:r>
+              <a:rPr lang="en-US" altLang="zh-CN" dirty="0" smtClean="0"/>
+              <a:t>node</a:t>
+            </a:r>
+            <a:r>
+              <a:rPr lang="zh-CN" altLang="en-US" dirty="0" smtClean="0"/>
+              <a:t> </a:t>
+            </a:r>
+            <a:r>
+              <a:rPr lang="en-US" altLang="zh-CN" dirty="0" smtClean="0"/>
               <a:t>(</a:t>
             </a:r>
             <a:r>
-              <a:rPr lang="en-US" dirty="0" err="1" smtClean="0"/>
+              <a:rPr lang="en-US" altLang="zh-CN" dirty="0" err="1" smtClean="0"/>
               <a:t>chaohui</a:t>
             </a:r>
             <a:r>
-              <a:rPr lang="en-US" dirty="0" smtClean="0"/>
+              <a:rPr lang="en-US" altLang="zh-CN" dirty="0" smtClean="0"/>
               <a:t>)</a:t>
             </a:r>
+            <a:endParaRPr lang="zh-CN" altLang="zh-CN" dirty="0"/>
           </a:p>
         </p:txBody>
       </p:sp>
@@ -6891,29 +7245,7 @@
             </a:r>
             <a:r>
               <a:rPr lang="en-US" dirty="0"/>
-              <a:t>GUI to upload configuration file </a:t>
-            </a:r>
-            <a:r>
-              <a:rPr lang="en-US" dirty="0" smtClean="0"/>
-              <a:t>(</a:t>
-            </a:r>
-            <a:r>
-              <a:rPr lang="en-US" dirty="0" err="1"/>
-              <a:t>Yifan</a:t>
-            </a:r>
-            <a:r>
-              <a:rPr lang="en-US" dirty="0"/>
-              <a:t> </a:t>
-            </a:r>
-            <a:r>
-              <a:rPr lang="en-US" dirty="0" smtClean="0"/>
-              <a:t>)</a:t>
-            </a:r>
-          </a:p>
-          <a:p>
-            <a:r>
-              <a:rPr lang="en-US" dirty="0"/>
-              <a:t>Develop code to read and parse configuration file </a:t>
+              <a:t>code to read and parse configuration file </a:t>
             </a:r>
             <a:r>
               <a:rPr lang="en-US" dirty="0" smtClean="0"/>
@@ -7006,7 +7338,7 @@
         </p:spPr>
         <p:txBody>
           <a:bodyPr>
-            <a:normAutofit/>
+            <a:normAutofit lnSpcReduction="10000"/>
           </a:bodyPr>
           <a:lstStyle/>
           <a:p>
@@ -7065,22 +7397,42 @@
           </a:p>
           <a:p>
             <a:r>
+              <a:rPr lang="en-US" altLang="zh-CN" dirty="0"/>
+              <a:t>Develop the GUI </a:t>
+            </a:r>
+            <a:r>
+              <a:rPr lang="en-US" altLang="zh-CN" dirty="0" smtClean="0"/>
+              <a:t>to </a:t>
+            </a:r>
+            <a:r>
+              <a:rPr lang="en-US" altLang="zh-CN" dirty="0"/>
+              <a:t>s</a:t>
+            </a:r>
+            <a:r>
               <a:rPr lang="en-US" dirty="0" smtClean="0"/>
-              <a:t>Show the execution of the algorithm on block view (</a:t>
-            </a:r>
-            <a:r>
-              <a:rPr lang="en-US" dirty="0" err="1" smtClean="0"/>
-              <a:t>Yifan</a:t>
+              <a:t>how </a:t>
             </a:r>
             <a:r>
               <a:rPr lang="en-US" dirty="0" smtClean="0"/>
-              <a:t>)</a:t>
-            </a:r>
-          </a:p>
-          <a:p>
+              <a:t>the execution of the algorithm on block view (Yifan)</a:t>
+            </a:r>
+          </a:p>
+          <a:p>
+            <a:r>
+              <a:rPr lang="en-US" altLang="zh-CN" dirty="0"/>
+              <a:t>Develop the GUI to </a:t>
+            </a:r>
+            <a:r>
+              <a:rPr lang="en-US" altLang="zh-CN" dirty="0" smtClean="0"/>
+              <a:t>s</a:t>
+            </a:r>
+            <a:r>
+              <a:rPr lang="en-US" dirty="0" smtClean="0"/>
+              <a:t>how </a:t>
+            </a:r>
             <a:r>
               <a:rPr lang="en-US" dirty="0"/>
-              <a:t>Show the execution of the algorithm on Graphical view (</a:t>
+              <a:t>the execution of the algorithm on Graphical view (</a:t>
             </a:r>
             <a:r>
               <a:rPr lang="en-US" dirty="0" err="1"/>
@@ -7388,4 +7740,265 @@
     </a:ext>
   </a:extLst>
 </a:theme>
+</file>
+
+<file path=ppt/theme/theme2.xml><?xml version="1.0" encoding="utf-8"?>
+<a:theme xmlns:a="http://schemas.openxmlformats.org/drawingml/2006/main" name="Office 主题">
+  <a:themeElements>
+    <a:clrScheme name="Office">
+      <a:dk1>
+        <a:sysClr val="windowText" lastClr="000000"/>
+      </a:dk1>
+      <a:lt1>
+        <a:sysClr val="window" lastClr="FFFFFF"/>
+      </a:lt1>
+      <a:dk2>
+        <a:srgbClr val="44546A"/>
+      </a:dk2>
+      <a:lt2>
+        <a:srgbClr val="E7E6E6"/>
+      </a:lt2>
+      <a:accent1>
+        <a:srgbClr val="4472C4"/>
+      </a:accent1>
+      <a:accent2>
+        <a:srgbClr val="ED7D31"/>
+      </a:accent2>
+      <a:accent3>
+        <a:srgbClr val="A5A5A5"/>
+      </a:accent3>
+      <a:accent4>
+        <a:srgbClr val="FFC000"/>
+      </a:accent4>
+      <a:accent5>
+        <a:srgbClr val="5B9BD5"/>
+      </a:accent5>
+      <a:accent6>
+        <a:srgbClr val="70AD47"/>
+      </a:accent6>
+      <a:hlink>
+        <a:srgbClr val="0563C1"/>
+      </a:hlink>
+      <a:folHlink>
+        <a:srgbClr val="954F72"/>
+      </a:folHlink>
+    </a:clrScheme>
+    <a:fontScheme name="Office">
+      <a:majorFont>
+        <a:latin typeface="DengXian Light" panose="020F0302020204030204"/>
+        <a:ea typeface=""/>
+        <a:cs typeface=""/>
+        <a:font script="Jpan" typeface="Yu Gothic Light"/>
+        <a:font script="Hang" typeface="맑은 고딕"/>
+        <a:font script="Hans" typeface="DengXian Light"/>
+        <a:font script="Hant" typeface="新細明體"/>
+        <a:font script="Arab" typeface="Times New Roman"/>
+        <a:font script="Hebr" typeface="Times New Roman"/>
+        <a:font script="Thai" typeface="Angsana New"/>
+        <a:font script="Ethi" typeface="Nyala"/>
+        <a:font script="Beng" typeface="Vrinda"/>
+        <a:font script="Gujr" typeface="Shruti"/>
+        <a:font script="Khmr" typeface="MoolBoran"/>
+        <a:font script="Knda" typeface="Tunga"/>
+        <a:font script="Guru" typeface="Raavi"/>
+        <a:font script="Cans" typeface="Euphemia"/>
+        <a:font script="Cher" typeface="Plantagenet Cherokee"/>
+        <a:font script="Yiii" typeface="Microsoft Yi Baiti"/>
+        <a:font script="Tibt" typeface="Microsoft Himalaya"/>
+        <a:font script="Thaa" typeface="MV Boli"/>
+        <a:font script="Deva" typeface="Mangal"/>
+        <a:font script="Telu" typeface="Gautami"/>
+        <a:font script="Taml" typeface="Latha"/>
+        <a:font script="Syrc" typeface="Estrangelo Edessa"/>
+        <a:font script="Orya" typeface="Kalinga"/>
+        <a:font script="Mlym" typeface="Kartika"/>
+        <a:font script="Laoo" typeface="DokChampa"/>
+        <a:font script="Sinh" typeface="Iskoola Pota"/>
+        <a:font script="Mong" typeface="Mongolian Baiti"/>
+        <a:font script="Viet" typeface="Times New Roman"/>
+        <a:font script="Uigh" typeface="Microsoft Uighur"/>
+        <a:font script="Geor" typeface="Sylfaen"/>
+      </a:majorFont>
+      <a:minorFont>
+        <a:latin typeface="DengXian" panose="020F0502020204030204"/>
+        <a:ea typeface=""/>
+        <a:cs typeface=""/>
+        <a:font script="Jpan" typeface="Yu Gothic"/>
+        <a:font script="Hang" typeface="맑은 고딕"/>
+        <a:font script="Hans" typeface="DengXian"/>
+        <a:font script="Hant" typeface="新細明體"/>
+        <a:font script="Arab" typeface="Arial"/>
+        <a:font script="Hebr" typeface="Arial"/>
+        <a:font script="Thai" typeface="Cordia New"/>
+        <a:font script="Ethi" typeface="Nyala"/>
+        <a:font script="Beng" typeface="Vrinda"/>
+        <a:font script="Gujr" typeface="Shruti"/>
+        <a:font script="Khmr" typeface="DaunPenh"/>
+        <a:font script="Knda" typeface="Tunga"/>
+        <a:font script="Guru" typeface="Raavi"/>
+        <a:font script="Cans" typeface="Euphemia"/>
+        <a:font script="Cher" typeface="Plantagenet Cherokee"/>
+        <a:font script="Yiii" typeface="Microsoft Yi Baiti"/>
+        <a:font script="Tibt" typeface="Microsoft Himalaya"/>
+        <a:font script="Thaa" typeface="MV Boli"/>
+        <a:font script="Deva" typeface="Mangal"/>
+        <a:font script="Telu" typeface="Gautami"/>
+        <a:font script="Taml" typeface="Latha"/>
+        <a:font script="Syrc" typeface="Estrangelo Edessa"/>
+        <a:font script="Orya" typeface="Kalinga"/>
+        <a:font script="Mlym" typeface="Kartika"/>
+        <a:font script="Laoo" typeface="DokChampa"/>
+        <a:font script="Sinh" typeface="Iskoola Pota"/>
+        <a:font script="Mong" typeface="Mongolian Baiti"/>
+        <a:font script="Viet" typeface="Arial"/>
+        <a:font script="Uigh" typeface="Microsoft Uighur"/>
+        <a:font script="Geor" typeface="Sylfaen"/>
+      </a:minorFont>
+    </a:fontScheme>
+    <a:fmtScheme name="Office">
+      <a:fillStyleLst>
+        <a:solidFill>
+          <a:schemeClr val="phClr"/>
+        </a:solidFill>
+        <a:gradFill rotWithShape="1">
+          <a:gsLst>
+            <a:gs pos="0">
+              <a:schemeClr val="phClr">
+                <a:lumMod val="110000"/>
+                <a:satMod val="105000"/>
+                <a:tint val="67000"/>
+              </a:schemeClr>
+            </a:gs>
+            <a:gs pos="50000">
+              <a:schemeClr val="phClr">
+                <a:lumMod val="105000"/>
+                <a:satMod val="103000"/>
+                <a:tint val="73000"/>
+              </a:schemeClr>
+            </a:gs>
+            <a:gs pos="100000">
+              <a:schemeClr val="phClr">
+                <a:lumMod val="105000"/>
+                <a:satMod val="109000"/>
+                <a:tint val="81000"/>
+              </a:schemeClr>
+            </a:gs>
+          </a:gsLst>
+          <a:lin ang="5400000" scaled="0"/>
+        </a:gradFill>
+        <a:gradFill rotWithShape="1">
+          <a:gsLst>
+            <a:gs pos="0">
+              <a:schemeClr val="phClr">
+                <a:satMod val="103000"/>
+                <a:lumMod val="102000"/>
+                <a:tint val="94000"/>
+              </a:schemeClr>
+            </a:gs>
+            <a:gs pos="50000">
+              <a:schemeClr val="phClr">
+                <a:satMod val="110000"/>
+                <a:lumMod val="100000"/>
+                <a:shade val="100000"/>
+              </a:schemeClr>
+            </a:gs>
+            <a:gs pos="100000">
+              <a:schemeClr val="phClr">
+                <a:lumMod val="99000"/>
+                <a:satMod val="120000"/>
+                <a:shade val="78000"/>
+              </a:schemeClr>
+            </a:gs>
+          </a:gsLst>
+          <a:lin ang="5400000" scaled="0"/>
+        </a:gradFill>
+      </a:fillStyleLst>
+      <a:lnStyleLst>
+        <a:ln w="6350" cap="flat" cmpd="sng" algn="ctr">
+          <a:solidFill>
+            <a:schemeClr val="phClr"/>
+          </a:solidFill>
+          <a:prstDash val="solid"/>
+          <a:miter lim="800000"/>
+        </a:ln>
+        <a:ln w="12700" cap="flat" cmpd="sng" algn="ctr">
+          <a:solidFill>
+            <a:schemeClr val="phClr"/>
+          </a:solidFill>
+          <a:prstDash val="solid"/>
+          <a:miter lim="800000"/>
+        </a:ln>
+        <a:ln w="19050" cap="flat" cmpd="sng" algn="ctr">
+          <a:solidFill>
+            <a:schemeClr val="phClr"/>
+          </a:solidFill>
+          <a:prstDash val="solid"/>
+          <a:miter lim="800000"/>
+        </a:ln>
+      </a:lnStyleLst>
+      <a:effectStyleLst>
+        <a:effectStyle>
+          <a:effectLst/>
+        </a:effectStyle>
+        <a:effectStyle>
+          <a:effectLst/>
+        </a:effectStyle>
+        <a:effectStyle>
+          <a:effectLst>
+            <a:outerShdw blurRad="57150" dist="19050" dir="5400000" algn="ctr" rotWithShape="0">
+              <a:srgbClr val="000000">
+                <a:alpha val="63000"/>
+              </a:srgbClr>
+            </a:outerShdw>
+          </a:effectLst>
+        </a:effectStyle>
+      </a:effectStyleLst>
+      <a:bgFillStyleLst>
+        <a:solidFill>
+          <a:schemeClr val="phClr"/>
+        </a:solidFill>
+        <a:solidFill>
+          <a:schemeClr val="phClr">
+            <a:tint val="95000"/>
+            <a:satMod val="170000"/>
+          </a:schemeClr>
+        </a:solidFill>
+        <a:gradFill rotWithShape="1">
+          <a:gsLst>
+            <a:gs pos="0">
+              <a:schemeClr val="phClr">
+                <a:tint val="93000"/>
+                <a:satMod val="150000"/>
+                <a:shade val="98000"/>
+                <a:lumMod val="102000"/>
+              </a:schemeClr>
+            </a:gs>
+            <a:gs pos="50000">
+              <a:schemeClr val="phClr">
+                <a:tint val="98000"/>
+                <a:satMod val="130000"/>
+                <a:shade val="90000"/>
+                <a:lumMod val="103000"/>
+              </a:schemeClr>
+            </a:gs>
+            <a:gs pos="100000">
+              <a:schemeClr val="phClr">
+                <a:shade val="63000"/>
+                <a:satMod val="120000"/>
+              </a:schemeClr>
+            </a:gs>
+          </a:gsLst>
+          <a:lin ang="5400000" scaled="0"/>
+        </a:gradFill>
+      </a:bgFillStyleLst>
+    </a:fmtScheme>
+  </a:themeElements>
+  <a:objectDefaults/>
+  <a:extraClrSchemeLst/>
+  <a:extLst>
+    <a:ext uri="{05A4C25C-085E-4340-85A3-A5531E510DB2}">
+      <thm15:themeFamily xmlns:thm15="http://schemas.microsoft.com/office/thememl/2012/main" name="Office Theme" id="{62F939B6-93AF-4DB8-9C6B-D6C7DFDC589F}" vid="{4A3C46E8-61CC-4603-A589-7422A47A8E4A}"/>
+    </a:ext>
+  </a:extLst>
+</a:theme>
 </file>